--- a/projects/kog.010.030-geometries/Geometry.pptx
+++ b/projects/kog.010.030-geometries/Geometry.pptx
@@ -5,16 +5,17 @@
     <p:sldMasterId id="2147483648" r:id="rId1"/>
   </p:sldMasterIdLst>
   <p:notesMasterIdLst>
-    <p:notesMasterId r:id="rId9"/>
+    <p:notesMasterId r:id="rId10"/>
   </p:notesMasterIdLst>
   <p:sldIdLst>
     <p:sldId id="437" r:id="rId2"/>
     <p:sldId id="499" r:id="rId3"/>
     <p:sldId id="501" r:id="rId4"/>
-    <p:sldId id="502" r:id="rId5"/>
-    <p:sldId id="503" r:id="rId6"/>
-    <p:sldId id="504" r:id="rId7"/>
-    <p:sldId id="500" r:id="rId8"/>
+    <p:sldId id="505" r:id="rId5"/>
+    <p:sldId id="502" r:id="rId6"/>
+    <p:sldId id="503" r:id="rId7"/>
+    <p:sldId id="504" r:id="rId8"/>
+    <p:sldId id="500" r:id="rId9"/>
   </p:sldIdLst>
   <p:sldSz cx="12192000" cy="6858000"/>
   <p:notesSz cx="6858000" cy="9144000"/>
@@ -203,7 +204,7 @@
           <a:p>
             <a:fld id="{5B0DAFD6-FAC2-42B7-869F-67A360C20BEA}" type="datetimeFigureOut">
               <a:rPr lang="en-US" smtClean="0"/>
-              <a:t>2/10/2021</a:t>
+              <a:t>9/28/2021</a:t>
             </a:fld>
             <a:endParaRPr lang="en-US"/>
           </a:p>
@@ -604,7 +605,7 @@
           <a:p>
             <a:fld id="{338A3FAA-9C6C-4F9E-8590-40D8D97A52B8}" type="datetimeFigureOut">
               <a:rPr lang="en-US" smtClean="0"/>
-              <a:t>2/10/2021</a:t>
+              <a:t>9/28/2021</a:t>
             </a:fld>
             <a:endParaRPr lang="en-US"/>
           </a:p>
@@ -774,7 +775,7 @@
           <a:p>
             <a:fld id="{338A3FAA-9C6C-4F9E-8590-40D8D97A52B8}" type="datetimeFigureOut">
               <a:rPr lang="en-US" smtClean="0"/>
-              <a:t>2/10/2021</a:t>
+              <a:t>9/28/2021</a:t>
             </a:fld>
             <a:endParaRPr lang="en-US"/>
           </a:p>
@@ -954,7 +955,7 @@
           <a:p>
             <a:fld id="{338A3FAA-9C6C-4F9E-8590-40D8D97A52B8}" type="datetimeFigureOut">
               <a:rPr lang="en-US" smtClean="0"/>
-              <a:t>2/10/2021</a:t>
+              <a:t>9/28/2021</a:t>
             </a:fld>
             <a:endParaRPr lang="en-US"/>
           </a:p>
@@ -1124,7 +1125,7 @@
           <a:p>
             <a:fld id="{338A3FAA-9C6C-4F9E-8590-40D8D97A52B8}" type="datetimeFigureOut">
               <a:rPr lang="en-US" smtClean="0"/>
-              <a:t>2/10/2021</a:t>
+              <a:t>9/28/2021</a:t>
             </a:fld>
             <a:endParaRPr lang="en-US"/>
           </a:p>
@@ -1370,7 +1371,7 @@
           <a:p>
             <a:fld id="{338A3FAA-9C6C-4F9E-8590-40D8D97A52B8}" type="datetimeFigureOut">
               <a:rPr lang="en-US" smtClean="0"/>
-              <a:t>2/10/2021</a:t>
+              <a:t>9/28/2021</a:t>
             </a:fld>
             <a:endParaRPr lang="en-US"/>
           </a:p>
@@ -1602,7 +1603,7 @@
           <a:p>
             <a:fld id="{338A3FAA-9C6C-4F9E-8590-40D8D97A52B8}" type="datetimeFigureOut">
               <a:rPr lang="en-US" smtClean="0"/>
-              <a:t>2/10/2021</a:t>
+              <a:t>9/28/2021</a:t>
             </a:fld>
             <a:endParaRPr lang="en-US"/>
           </a:p>
@@ -1969,7 +1970,7 @@
           <a:p>
             <a:fld id="{338A3FAA-9C6C-4F9E-8590-40D8D97A52B8}" type="datetimeFigureOut">
               <a:rPr lang="en-US" smtClean="0"/>
-              <a:t>2/10/2021</a:t>
+              <a:t>9/28/2021</a:t>
             </a:fld>
             <a:endParaRPr lang="en-US"/>
           </a:p>
@@ -2087,7 +2088,7 @@
           <a:p>
             <a:fld id="{338A3FAA-9C6C-4F9E-8590-40D8D97A52B8}" type="datetimeFigureOut">
               <a:rPr lang="en-US" smtClean="0"/>
-              <a:t>2/10/2021</a:t>
+              <a:t>9/28/2021</a:t>
             </a:fld>
             <a:endParaRPr lang="en-US"/>
           </a:p>
@@ -2182,7 +2183,7 @@
           <a:p>
             <a:fld id="{338A3FAA-9C6C-4F9E-8590-40D8D97A52B8}" type="datetimeFigureOut">
               <a:rPr lang="en-US" smtClean="0"/>
-              <a:t>2/10/2021</a:t>
+              <a:t>9/28/2021</a:t>
             </a:fld>
             <a:endParaRPr lang="en-US"/>
           </a:p>
@@ -2459,7 +2460,7 @@
           <a:p>
             <a:fld id="{338A3FAA-9C6C-4F9E-8590-40D8D97A52B8}" type="datetimeFigureOut">
               <a:rPr lang="en-US" smtClean="0"/>
-              <a:t>2/10/2021</a:t>
+              <a:t>9/28/2021</a:t>
             </a:fld>
             <a:endParaRPr lang="en-US"/>
           </a:p>
@@ -2712,7 +2713,7 @@
           <a:p>
             <a:fld id="{338A3FAA-9C6C-4F9E-8590-40D8D97A52B8}" type="datetimeFigureOut">
               <a:rPr lang="en-US" smtClean="0"/>
-              <a:t>2/10/2021</a:t>
+              <a:t>9/28/2021</a:t>
             </a:fld>
             <a:endParaRPr lang="en-US"/>
           </a:p>
@@ -2925,7 +2926,7 @@
           <a:p>
             <a:fld id="{338A3FAA-9C6C-4F9E-8590-40D8D97A52B8}" type="datetimeFigureOut">
               <a:rPr lang="en-US" smtClean="0"/>
-              <a:t>2/10/2021</a:t>
+              <a:t>9/28/2021</a:t>
             </a:fld>
             <a:endParaRPr lang="en-US"/>
           </a:p>
@@ -5831,6 +5832,686 @@
       </p:grpSpPr>
       <p:sp>
         <p:nvSpPr>
+          <p:cNvPr id="4" name="Title 3"/>
+          <p:cNvSpPr>
+            <a:spLocks noGrp="1"/>
+          </p:cNvSpPr>
+          <p:nvPr>
+            <p:ph type="title"/>
+          </p:nvPr>
+        </p:nvSpPr>
+        <p:spPr/>
+        <p:txBody>
+          <a:bodyPr/>
+          <a:lstStyle/>
+          <a:p>
+            <a:r>
+              <a:rPr lang="hu-HU" dirty="0" smtClean="0"/>
+              <a:t>Array construction in Kotlin</a:t>
+            </a:r>
+            <a:endParaRPr lang="en-US" dirty="0"/>
+          </a:p>
+        </p:txBody>
+      </p:sp>
+      <p:sp>
+        <p:nvSpPr>
+          <p:cNvPr id="5" name="Rectangle 4"/>
+          <p:cNvSpPr/>
+          <p:nvPr/>
+        </p:nvSpPr>
+        <p:spPr>
+          <a:xfrm>
+            <a:off x="0" y="1943100"/>
+            <a:ext cx="12192000" cy="5192486"/>
+          </a:xfrm>
+          <a:prstGeom prst="rect">
+            <a:avLst/>
+          </a:prstGeom>
+          <a:solidFill>
+            <a:schemeClr val="accent4">
+              <a:lumMod val="20000"/>
+              <a:lumOff val="80000"/>
+            </a:schemeClr>
+          </a:solidFill>
+        </p:spPr>
+        <p:style>
+          <a:lnRef idx="2">
+            <a:schemeClr val="accent1">
+              <a:shade val="50000"/>
+            </a:schemeClr>
+          </a:lnRef>
+          <a:fillRef idx="1">
+            <a:schemeClr val="accent1"/>
+          </a:fillRef>
+          <a:effectRef idx="0">
+            <a:schemeClr val="accent1"/>
+          </a:effectRef>
+          <a:fontRef idx="minor">
+            <a:schemeClr val="lt1"/>
+          </a:fontRef>
+        </p:style>
+        <p:txBody>
+          <a:bodyPr rtlCol="0" anchor="ctr"/>
+          <a:lstStyle/>
+          <a:p>
+            <a:r>
+              <a:rPr lang="hu-HU" dirty="0" smtClean="0">
+                <a:solidFill>
+                  <a:schemeClr val="tx1"/>
+                </a:solidFill>
+                <a:latin typeface="Consolas" panose="020B0609020204030204" pitchFamily="49" charset="0"/>
+              </a:rPr>
+              <a:t>val vert</a:t>
+            </a:r>
+            <a:r>
+              <a:rPr lang="en-US" dirty="0" err="1" smtClean="0">
+                <a:solidFill>
+                  <a:schemeClr val="tx1"/>
+                </a:solidFill>
+                <a:latin typeface="Consolas" panose="020B0609020204030204" pitchFamily="49" charset="0"/>
+              </a:rPr>
+              <a:t>exCoords</a:t>
+            </a:r>
+            <a:r>
+              <a:rPr lang="hu-HU" dirty="0" smtClean="0">
+                <a:solidFill>
+                  <a:schemeClr val="tx1"/>
+                </a:solidFill>
+                <a:latin typeface="Consolas" panose="020B0609020204030204" pitchFamily="49" charset="0"/>
+              </a:rPr>
+              <a:t> </a:t>
+            </a:r>
+            <a:r>
+              <a:rPr lang="en-US" dirty="0" smtClean="0">
+                <a:solidFill>
+                  <a:schemeClr val="tx1"/>
+                </a:solidFill>
+                <a:latin typeface="Consolas" panose="020B0609020204030204" pitchFamily="49" charset="0"/>
+              </a:rPr>
+              <a:t>= </a:t>
+            </a:r>
+            <a:r>
+              <a:rPr lang="en-US" dirty="0" err="1" smtClean="0">
+                <a:solidFill>
+                  <a:schemeClr val="tx1"/>
+                </a:solidFill>
+                <a:latin typeface="Consolas" panose="020B0609020204030204" pitchFamily="49" charset="0"/>
+              </a:rPr>
+              <a:t>ArrayList</a:t>
+            </a:r>
+            <a:r>
+              <a:rPr lang="en-US" dirty="0" smtClean="0">
+                <a:solidFill>
+                  <a:schemeClr val="tx1"/>
+                </a:solidFill>
+                <a:latin typeface="Consolas" panose="020B0609020204030204" pitchFamily="49" charset="0"/>
+              </a:rPr>
+              <a:t>&lt;Float&gt;()</a:t>
+            </a:r>
+          </a:p>
+          <a:p>
+            <a:r>
+              <a:rPr lang="hu-HU" dirty="0" smtClean="0">
+                <a:solidFill>
+                  <a:schemeClr val="tx1"/>
+                </a:solidFill>
+                <a:latin typeface="Consolas" panose="020B0609020204030204" pitchFamily="49" charset="0"/>
+              </a:rPr>
+              <a:t>vert</a:t>
+            </a:r>
+            <a:r>
+              <a:rPr lang="en-US" dirty="0" err="1">
+                <a:solidFill>
+                  <a:schemeClr val="tx1"/>
+                </a:solidFill>
+                <a:latin typeface="Consolas" panose="020B0609020204030204" pitchFamily="49" charset="0"/>
+              </a:rPr>
+              <a:t>exCoords.add</a:t>
+            </a:r>
+            <a:r>
+              <a:rPr lang="en-US" dirty="0">
+                <a:solidFill>
+                  <a:schemeClr val="tx1"/>
+                </a:solidFill>
+                <a:latin typeface="Consolas" panose="020B0609020204030204" pitchFamily="49" charset="0"/>
+              </a:rPr>
+              <a:t>( </a:t>
+            </a:r>
+            <a:r>
+              <a:rPr lang="en-US" dirty="0" smtClean="0">
+                <a:solidFill>
+                  <a:schemeClr val="tx1"/>
+                </a:solidFill>
+                <a:latin typeface="Consolas" panose="020B0609020204030204" pitchFamily="49" charset="0"/>
+              </a:rPr>
+              <a:t>0.0f)</a:t>
+            </a:r>
+            <a:endParaRPr lang="en-US" dirty="0">
+              <a:solidFill>
+                <a:schemeClr val="tx1"/>
+              </a:solidFill>
+              <a:latin typeface="Consolas" panose="020B0609020204030204" pitchFamily="49" charset="0"/>
+            </a:endParaRPr>
+          </a:p>
+          <a:p>
+            <a:r>
+              <a:rPr lang="hu-HU" dirty="0" smtClean="0">
+                <a:solidFill>
+                  <a:schemeClr val="tx1"/>
+                </a:solidFill>
+                <a:latin typeface="Consolas" panose="020B0609020204030204" pitchFamily="49" charset="0"/>
+              </a:rPr>
+              <a:t>vert</a:t>
+            </a:r>
+            <a:r>
+              <a:rPr lang="en-US" dirty="0" err="1">
+                <a:solidFill>
+                  <a:schemeClr val="tx1"/>
+                </a:solidFill>
+                <a:latin typeface="Consolas" panose="020B0609020204030204" pitchFamily="49" charset="0"/>
+              </a:rPr>
+              <a:t>exCoords.add</a:t>
+            </a:r>
+            <a:r>
+              <a:rPr lang="en-US" dirty="0">
+                <a:solidFill>
+                  <a:schemeClr val="tx1"/>
+                </a:solidFill>
+                <a:latin typeface="Consolas" panose="020B0609020204030204" pitchFamily="49" charset="0"/>
+              </a:rPr>
+              <a:t>( </a:t>
+            </a:r>
+            <a:r>
+              <a:rPr lang="en-US" dirty="0" smtClean="0">
+                <a:solidFill>
+                  <a:schemeClr val="tx1"/>
+                </a:solidFill>
+                <a:latin typeface="Consolas" panose="020B0609020204030204" pitchFamily="49" charset="0"/>
+              </a:rPr>
+              <a:t>0.0f )</a:t>
+            </a:r>
+            <a:endParaRPr lang="en-US" dirty="0">
+              <a:solidFill>
+                <a:schemeClr val="tx1"/>
+              </a:solidFill>
+              <a:latin typeface="Consolas" panose="020B0609020204030204" pitchFamily="49" charset="0"/>
+            </a:endParaRPr>
+          </a:p>
+          <a:p>
+            <a:r>
+              <a:rPr lang="hu-HU" dirty="0" smtClean="0">
+                <a:solidFill>
+                  <a:schemeClr val="tx1"/>
+                </a:solidFill>
+                <a:latin typeface="Consolas" panose="020B0609020204030204" pitchFamily="49" charset="0"/>
+              </a:rPr>
+              <a:t>vert</a:t>
+            </a:r>
+            <a:r>
+              <a:rPr lang="en-US" dirty="0" err="1">
+                <a:solidFill>
+                  <a:schemeClr val="tx1"/>
+                </a:solidFill>
+                <a:latin typeface="Consolas" panose="020B0609020204030204" pitchFamily="49" charset="0"/>
+              </a:rPr>
+              <a:t>exCoords.add</a:t>
+            </a:r>
+            <a:r>
+              <a:rPr lang="en-US" dirty="0">
+                <a:solidFill>
+                  <a:schemeClr val="tx1"/>
+                </a:solidFill>
+                <a:latin typeface="Consolas" panose="020B0609020204030204" pitchFamily="49" charset="0"/>
+              </a:rPr>
+              <a:t>( 0.5f  )</a:t>
+            </a:r>
+            <a:endParaRPr lang="en-US" dirty="0" smtClean="0">
+              <a:solidFill>
+                <a:schemeClr val="tx1"/>
+              </a:solidFill>
+              <a:latin typeface="Consolas" panose="020B0609020204030204" pitchFamily="49" charset="0"/>
+            </a:endParaRPr>
+          </a:p>
+          <a:p>
+            <a:r>
+              <a:rPr lang="en-US" dirty="0" smtClean="0">
+                <a:solidFill>
+                  <a:schemeClr val="tx1"/>
+                </a:solidFill>
+                <a:latin typeface="Consolas" panose="020B0609020204030204" pitchFamily="49" charset="0"/>
+              </a:rPr>
+              <a:t>for(</a:t>
+            </a:r>
+            <a:r>
+              <a:rPr lang="en-US" dirty="0" err="1" smtClean="0">
+                <a:solidFill>
+                  <a:schemeClr val="tx1"/>
+                </a:solidFill>
+                <a:latin typeface="Consolas" panose="020B0609020204030204" pitchFamily="49" charset="0"/>
+              </a:rPr>
+              <a:t>i</a:t>
+            </a:r>
+            <a:r>
+              <a:rPr lang="en-US" dirty="0" smtClean="0">
+                <a:solidFill>
+                  <a:schemeClr val="tx1"/>
+                </a:solidFill>
+                <a:latin typeface="Consolas" panose="020B0609020204030204" pitchFamily="49" charset="0"/>
+              </a:rPr>
+              <a:t> in 0..55) {</a:t>
+            </a:r>
+          </a:p>
+          <a:p>
+            <a:r>
+              <a:rPr lang="en-US" dirty="0">
+                <a:solidFill>
+                  <a:schemeClr val="tx1"/>
+                </a:solidFill>
+                <a:latin typeface="Consolas" panose="020B0609020204030204" pitchFamily="49" charset="0"/>
+              </a:rPr>
+              <a:t> </a:t>
+            </a:r>
+            <a:r>
+              <a:rPr lang="en-US" dirty="0" smtClean="0">
+                <a:solidFill>
+                  <a:schemeClr val="tx1"/>
+                </a:solidFill>
+                <a:latin typeface="Consolas" panose="020B0609020204030204" pitchFamily="49" charset="0"/>
+              </a:rPr>
+              <a:t> </a:t>
+            </a:r>
+            <a:r>
+              <a:rPr lang="en-US" dirty="0" err="1" smtClean="0">
+                <a:solidFill>
+                  <a:schemeClr val="tx1"/>
+                </a:solidFill>
+                <a:latin typeface="Consolas" panose="020B0609020204030204" pitchFamily="49" charset="0"/>
+              </a:rPr>
+              <a:t>val</a:t>
+            </a:r>
+            <a:r>
+              <a:rPr lang="en-US" dirty="0" smtClean="0">
+                <a:solidFill>
+                  <a:schemeClr val="tx1"/>
+                </a:solidFill>
+                <a:latin typeface="Consolas" panose="020B0609020204030204" pitchFamily="49" charset="0"/>
+              </a:rPr>
+              <a:t> phi = </a:t>
+            </a:r>
+            <a:r>
+              <a:rPr lang="en-US" dirty="0" err="1" smtClean="0">
+                <a:solidFill>
+                  <a:schemeClr val="tx1"/>
+                </a:solidFill>
+                <a:latin typeface="Consolas" panose="020B0609020204030204" pitchFamily="49" charset="0"/>
+              </a:rPr>
+              <a:t>i</a:t>
+            </a:r>
+            <a:r>
+              <a:rPr lang="en-US" dirty="0" smtClean="0">
+                <a:solidFill>
+                  <a:schemeClr val="tx1"/>
+                </a:solidFill>
+                <a:latin typeface="Consolas" panose="020B0609020204030204" pitchFamily="49" charset="0"/>
+              </a:rPr>
+              <a:t> * 2.0f * </a:t>
+            </a:r>
+            <a:r>
+              <a:rPr lang="en-US" dirty="0" err="1" smtClean="0">
+                <a:solidFill>
+                  <a:schemeClr val="tx1"/>
+                </a:solidFill>
+                <a:latin typeface="Consolas" panose="020B0609020204030204" pitchFamily="49" charset="0"/>
+              </a:rPr>
+              <a:t>PI.toFloat</a:t>
+            </a:r>
+            <a:r>
+              <a:rPr lang="en-US" dirty="0" smtClean="0">
+                <a:solidFill>
+                  <a:schemeClr val="tx1"/>
+                </a:solidFill>
+                <a:latin typeface="Consolas" panose="020B0609020204030204" pitchFamily="49" charset="0"/>
+              </a:rPr>
+              <a:t>() / 54.0f;</a:t>
+            </a:r>
+          </a:p>
+          <a:p>
+            <a:r>
+              <a:rPr lang="en-US" dirty="0" smtClean="0">
+                <a:solidFill>
+                  <a:schemeClr val="tx1"/>
+                </a:solidFill>
+                <a:latin typeface="Consolas" panose="020B0609020204030204" pitchFamily="49" charset="0"/>
+              </a:rPr>
+              <a:t>  </a:t>
+            </a:r>
+            <a:r>
+              <a:rPr lang="hu-HU" dirty="0">
+                <a:solidFill>
+                  <a:schemeClr val="tx1"/>
+                </a:solidFill>
+                <a:latin typeface="Consolas" panose="020B0609020204030204" pitchFamily="49" charset="0"/>
+              </a:rPr>
+              <a:t>vert</a:t>
+            </a:r>
+            <a:r>
+              <a:rPr lang="en-US" dirty="0" err="1" smtClean="0">
+                <a:solidFill>
+                  <a:schemeClr val="tx1"/>
+                </a:solidFill>
+                <a:latin typeface="Consolas" panose="020B0609020204030204" pitchFamily="49" charset="0"/>
+              </a:rPr>
+              <a:t>exCoords.add</a:t>
+            </a:r>
+            <a:r>
+              <a:rPr lang="en-US" dirty="0" smtClean="0">
+                <a:solidFill>
+                  <a:schemeClr val="tx1"/>
+                </a:solidFill>
+                <a:latin typeface="Consolas" panose="020B0609020204030204" pitchFamily="49" charset="0"/>
+              </a:rPr>
+              <a:t>( cos(phi))</a:t>
+            </a:r>
+          </a:p>
+          <a:p>
+            <a:r>
+              <a:rPr lang="en-US" dirty="0">
+                <a:solidFill>
+                  <a:schemeClr val="tx1"/>
+                </a:solidFill>
+                <a:latin typeface="Consolas" panose="020B0609020204030204" pitchFamily="49" charset="0"/>
+              </a:rPr>
+              <a:t> </a:t>
+            </a:r>
+            <a:r>
+              <a:rPr lang="en-US" dirty="0" smtClean="0">
+                <a:solidFill>
+                  <a:schemeClr val="tx1"/>
+                </a:solidFill>
+                <a:latin typeface="Consolas" panose="020B0609020204030204" pitchFamily="49" charset="0"/>
+              </a:rPr>
+              <a:t> </a:t>
+            </a:r>
+            <a:r>
+              <a:rPr lang="hu-HU" dirty="0" smtClean="0">
+                <a:solidFill>
+                  <a:schemeClr val="tx1"/>
+                </a:solidFill>
+                <a:latin typeface="Consolas" panose="020B0609020204030204" pitchFamily="49" charset="0"/>
+              </a:rPr>
+              <a:t>vert</a:t>
+            </a:r>
+            <a:r>
+              <a:rPr lang="en-US" dirty="0" err="1" smtClean="0">
+                <a:solidFill>
+                  <a:schemeClr val="tx1"/>
+                </a:solidFill>
+                <a:latin typeface="Consolas" panose="020B0609020204030204" pitchFamily="49" charset="0"/>
+              </a:rPr>
+              <a:t>exCoords.add</a:t>
+            </a:r>
+            <a:r>
+              <a:rPr lang="en-US" dirty="0" smtClean="0">
+                <a:solidFill>
+                  <a:schemeClr val="tx1"/>
+                </a:solidFill>
+                <a:latin typeface="Consolas" panose="020B0609020204030204" pitchFamily="49" charset="0"/>
+              </a:rPr>
+              <a:t>( sin(phi))</a:t>
+            </a:r>
+          </a:p>
+          <a:p>
+            <a:r>
+              <a:rPr lang="en-US" dirty="0">
+                <a:solidFill>
+                  <a:schemeClr val="tx1"/>
+                </a:solidFill>
+                <a:latin typeface="Consolas" panose="020B0609020204030204" pitchFamily="49" charset="0"/>
+              </a:rPr>
+              <a:t> </a:t>
+            </a:r>
+            <a:r>
+              <a:rPr lang="en-US" dirty="0" smtClean="0">
+                <a:solidFill>
+                  <a:schemeClr val="tx1"/>
+                </a:solidFill>
+                <a:latin typeface="Consolas" panose="020B0609020204030204" pitchFamily="49" charset="0"/>
+              </a:rPr>
+              <a:t> </a:t>
+            </a:r>
+            <a:r>
+              <a:rPr lang="hu-HU" dirty="0" smtClean="0">
+                <a:solidFill>
+                  <a:schemeClr val="tx1"/>
+                </a:solidFill>
+                <a:latin typeface="Consolas" panose="020B0609020204030204" pitchFamily="49" charset="0"/>
+              </a:rPr>
+              <a:t>vert</a:t>
+            </a:r>
+            <a:r>
+              <a:rPr lang="en-US" dirty="0" err="1">
+                <a:solidFill>
+                  <a:schemeClr val="tx1"/>
+                </a:solidFill>
+                <a:latin typeface="Consolas" panose="020B0609020204030204" pitchFamily="49" charset="0"/>
+              </a:rPr>
+              <a:t>exCoords.add</a:t>
+            </a:r>
+            <a:r>
+              <a:rPr lang="en-US" dirty="0">
+                <a:solidFill>
+                  <a:schemeClr val="tx1"/>
+                </a:solidFill>
+                <a:latin typeface="Consolas" panose="020B0609020204030204" pitchFamily="49" charset="0"/>
+              </a:rPr>
+              <a:t>( </a:t>
+            </a:r>
+            <a:r>
+              <a:rPr lang="en-US" dirty="0" smtClean="0">
+                <a:solidFill>
+                  <a:schemeClr val="tx1"/>
+                </a:solidFill>
+                <a:latin typeface="Consolas" panose="020B0609020204030204" pitchFamily="49" charset="0"/>
+              </a:rPr>
+              <a:t>0.5f  )</a:t>
+            </a:r>
+          </a:p>
+          <a:p>
+            <a:r>
+              <a:rPr lang="en-US" dirty="0" smtClean="0">
+                <a:solidFill>
+                  <a:schemeClr val="tx1"/>
+                </a:solidFill>
+                <a:latin typeface="Consolas" panose="020B0609020204030204" pitchFamily="49" charset="0"/>
+              </a:rPr>
+              <a:t>}</a:t>
+            </a:r>
+          </a:p>
+          <a:p>
+            <a:endParaRPr lang="en-US" dirty="0">
+              <a:solidFill>
+                <a:schemeClr val="tx1"/>
+              </a:solidFill>
+              <a:latin typeface="Consolas" panose="020B0609020204030204" pitchFamily="49" charset="0"/>
+            </a:endParaRPr>
+          </a:p>
+          <a:p>
+            <a:r>
+              <a:rPr lang="en-US" dirty="0" err="1" smtClean="0">
+                <a:solidFill>
+                  <a:schemeClr val="bg1">
+                    <a:lumMod val="50000"/>
+                  </a:schemeClr>
+                </a:solidFill>
+                <a:latin typeface="Consolas" panose="020B0609020204030204" pitchFamily="49" charset="0"/>
+              </a:rPr>
+              <a:t>gl.bufferData</a:t>
+            </a:r>
+            <a:r>
+              <a:rPr lang="en-US" dirty="0" smtClean="0">
+                <a:solidFill>
+                  <a:schemeClr val="bg1">
+                    <a:lumMod val="50000"/>
+                  </a:schemeClr>
+                </a:solidFill>
+                <a:latin typeface="Consolas" panose="020B0609020204030204" pitchFamily="49" charset="0"/>
+              </a:rPr>
+              <a:t>(GL.ARRAY_BUFFER</a:t>
+            </a:r>
+            <a:r>
+              <a:rPr lang="en-US" dirty="0">
+                <a:solidFill>
+                  <a:schemeClr val="bg1">
+                    <a:lumMod val="50000"/>
+                  </a:schemeClr>
+                </a:solidFill>
+                <a:latin typeface="Consolas" panose="020B0609020204030204" pitchFamily="49" charset="0"/>
+              </a:rPr>
+              <a:t>,</a:t>
+            </a:r>
+          </a:p>
+          <a:p>
+            <a:r>
+              <a:rPr lang="en-US" dirty="0">
+                <a:solidFill>
+                  <a:schemeClr val="bg1">
+                    <a:lumMod val="50000"/>
+                  </a:schemeClr>
+                </a:solidFill>
+                <a:latin typeface="Consolas" panose="020B0609020204030204" pitchFamily="49" charset="0"/>
+              </a:rPr>
+              <a:t>      </a:t>
+            </a:r>
+            <a:r>
+              <a:rPr lang="en-US" dirty="0" smtClean="0">
+                <a:solidFill>
+                  <a:schemeClr val="bg1">
+                    <a:lumMod val="50000"/>
+                  </a:schemeClr>
+                </a:solidFill>
+                <a:latin typeface="Consolas" panose="020B0609020204030204" pitchFamily="49" charset="0"/>
+              </a:rPr>
+              <a:t>Float32Array(</a:t>
+            </a:r>
+            <a:r>
+              <a:rPr lang="hu-HU" dirty="0">
+                <a:solidFill>
+                  <a:schemeClr val="tx1"/>
+                </a:solidFill>
+                <a:latin typeface="Consolas" panose="020B0609020204030204" pitchFamily="49" charset="0"/>
+              </a:rPr>
+              <a:t>vert</a:t>
+            </a:r>
+            <a:r>
+              <a:rPr lang="en-US" dirty="0" smtClean="0">
+                <a:solidFill>
+                  <a:schemeClr val="tx1"/>
+                </a:solidFill>
+                <a:latin typeface="Consolas" panose="020B0609020204030204" pitchFamily="49" charset="0"/>
+              </a:rPr>
+              <a:t>exCoords.to</a:t>
+            </a:r>
+            <a:r>
+              <a:rPr lang="hu-HU" smtClean="0">
+                <a:solidFill>
+                  <a:schemeClr val="tx1"/>
+                </a:solidFill>
+                <a:latin typeface="Consolas" panose="020B0609020204030204" pitchFamily="49" charset="0"/>
+              </a:rPr>
+              <a:t>Typed</a:t>
+            </a:r>
+            <a:r>
+              <a:rPr lang="en-US" smtClean="0">
+                <a:solidFill>
+                  <a:schemeClr val="tx1"/>
+                </a:solidFill>
+                <a:latin typeface="Consolas" panose="020B0609020204030204" pitchFamily="49" charset="0"/>
+              </a:rPr>
+              <a:t>Array</a:t>
+            </a:r>
+            <a:r>
+              <a:rPr lang="en-US" dirty="0" smtClean="0">
+                <a:solidFill>
+                  <a:schemeClr val="tx1"/>
+                </a:solidFill>
+                <a:latin typeface="Consolas" panose="020B0609020204030204" pitchFamily="49" charset="0"/>
+              </a:rPr>
+              <a:t>()</a:t>
+            </a:r>
+            <a:r>
+              <a:rPr lang="en-US" dirty="0" smtClean="0">
+                <a:solidFill>
+                  <a:schemeClr val="bg1">
+                    <a:lumMod val="50000"/>
+                  </a:schemeClr>
+                </a:solidFill>
+                <a:latin typeface="Consolas" panose="020B0609020204030204" pitchFamily="49" charset="0"/>
+              </a:rPr>
+              <a:t>),</a:t>
+            </a:r>
+            <a:endParaRPr lang="en-US" dirty="0">
+              <a:solidFill>
+                <a:schemeClr val="bg1">
+                  <a:lumMod val="50000"/>
+                </a:schemeClr>
+              </a:solidFill>
+              <a:latin typeface="Consolas" panose="020B0609020204030204" pitchFamily="49" charset="0"/>
+            </a:endParaRPr>
+          </a:p>
+          <a:p>
+            <a:r>
+              <a:rPr lang="en-US" dirty="0">
+                <a:solidFill>
+                  <a:schemeClr val="bg1">
+                    <a:lumMod val="50000"/>
+                  </a:schemeClr>
+                </a:solidFill>
+                <a:latin typeface="Consolas" panose="020B0609020204030204" pitchFamily="49" charset="0"/>
+              </a:rPr>
+              <a:t>      GL.STATIC_DRAW)</a:t>
+            </a:r>
+          </a:p>
+        </p:txBody>
+      </p:sp>
+    </p:spTree>
+    <p:extLst>
+      <p:ext uri="{BB962C8B-B14F-4D97-AF65-F5344CB8AC3E}">
+        <p14:creationId xmlns:p14="http://schemas.microsoft.com/office/powerpoint/2010/main" val="3180103314"/>
+      </p:ext>
+    </p:extLst>
+  </p:cSld>
+  <p:clrMapOvr>
+    <a:masterClrMapping/>
+  </p:clrMapOvr>
+  <p:timing>
+    <p:tnLst>
+      <p:par>
+        <p:cTn id="1" dur="indefinite" restart="never" nodeType="tmRoot"/>
+      </p:par>
+    </p:tnLst>
+  </p:timing>
+</p:sld>
+</file>
+
+<file path=ppt/slides/slide5.xml><?xml version="1.0" encoding="utf-8"?>
+<p:sld xmlns:a="http://schemas.openxmlformats.org/drawingml/2006/main" xmlns:r="http://schemas.openxmlformats.org/officeDocument/2006/relationships" xmlns:p="http://schemas.openxmlformats.org/presentationml/2006/main">
+  <p:cSld>
+    <p:spTree>
+      <p:nvGrpSpPr>
+        <p:cNvPr id="1" name=""/>
+        <p:cNvGrpSpPr/>
+        <p:nvPr/>
+      </p:nvGrpSpPr>
+      <p:grpSpPr>
+        <a:xfrm>
+          <a:off x="0" y="0"/>
+          <a:ext cx="0" cy="0"/>
+          <a:chOff x="0" y="0"/>
+          <a:chExt cx="0" cy="0"/>
+        </a:xfrm>
+      </p:grpSpPr>
+      <p:sp>
+        <p:nvSpPr>
           <p:cNvPr id="2" name="Title 1"/>
           <p:cNvSpPr>
             <a:spLocks noGrp="1"/>
@@ -7029,7 +7710,7 @@
 </p:sld>
 </file>
 
-<file path=ppt/slides/slide5.xml><?xml version="1.0" encoding="utf-8"?>
+<file path=ppt/slides/slide6.xml><?xml version="1.0" encoding="utf-8"?>
 <p:sld xmlns:a="http://schemas.openxmlformats.org/drawingml/2006/main" xmlns:r="http://schemas.openxmlformats.org/officeDocument/2006/relationships" xmlns:p="http://schemas.openxmlformats.org/presentationml/2006/main">
   <p:cSld>
     <p:spTree>
@@ -8250,7 +8931,7 @@
 </p:sld>
 </file>
 
-<file path=ppt/slides/slide6.xml><?xml version="1.0" encoding="utf-8"?>
+<file path=ppt/slides/slide7.xml><?xml version="1.0" encoding="utf-8"?>
 <p:sld xmlns:a="http://schemas.openxmlformats.org/drawingml/2006/main" xmlns:r="http://schemas.openxmlformats.org/officeDocument/2006/relationships" xmlns:p="http://schemas.openxmlformats.org/presentationml/2006/main">
   <p:cSld>
     <p:spTree>
@@ -8352,10 +9033,17 @@
   <p:clrMapOvr>
     <a:masterClrMapping/>
   </p:clrMapOvr>
+  <p:timing>
+    <p:tnLst>
+      <p:par>
+        <p:cTn id="1" dur="indefinite" restart="never" nodeType="tmRoot"/>
+      </p:par>
+    </p:tnLst>
+  </p:timing>
 </p:sld>
 </file>
 
-<file path=ppt/slides/slide7.xml><?xml version="1.0" encoding="utf-8"?>
+<file path=ppt/slides/slide8.xml><?xml version="1.0" encoding="utf-8"?>
 <p:sld xmlns:a="http://schemas.openxmlformats.org/drawingml/2006/main" xmlns:r="http://schemas.openxmlformats.org/officeDocument/2006/relationships" xmlns:p="http://schemas.openxmlformats.org/presentationml/2006/main">
   <p:cSld>
     <p:spTree>

--- a/projects/kog.010.030-geometries/Geometry.pptx
+++ b/projects/kog.010.030-geometries/Geometry.pptx
@@ -5,7 +5,7 @@
     <p:sldMasterId id="2147483648" r:id="rId1"/>
   </p:sldMasterIdLst>
   <p:notesMasterIdLst>
-    <p:notesMasterId r:id="rId10"/>
+    <p:notesMasterId r:id="rId11"/>
   </p:notesMasterIdLst>
   <p:sldIdLst>
     <p:sldId id="437" r:id="rId2"/>
@@ -13,9 +13,10 @@
     <p:sldId id="501" r:id="rId4"/>
     <p:sldId id="505" r:id="rId5"/>
     <p:sldId id="502" r:id="rId6"/>
-    <p:sldId id="503" r:id="rId7"/>
-    <p:sldId id="504" r:id="rId8"/>
-    <p:sldId id="500" r:id="rId9"/>
+    <p:sldId id="506" r:id="rId7"/>
+    <p:sldId id="503" r:id="rId8"/>
+    <p:sldId id="504" r:id="rId9"/>
+    <p:sldId id="500" r:id="rId10"/>
   </p:sldIdLst>
   <p:sldSz cx="12192000" cy="6858000"/>
   <p:notesSz cx="6858000" cy="9144000"/>
@@ -204,7 +205,7 @@
           <a:p>
             <a:fld id="{5B0DAFD6-FAC2-42B7-869F-67A360C20BEA}" type="datetimeFigureOut">
               <a:rPr lang="en-US" smtClean="0"/>
-              <a:t>9/28/2021</a:t>
+              <a:t>2/13/2022</a:t>
             </a:fld>
             <a:endParaRPr lang="en-US"/>
           </a:p>
@@ -268,38 +269,37 @@
           <a:p>
             <a:pPr lvl="0"/>
             <a:r>
-              <a:rPr lang="en-US" smtClean="0"/>
+              <a:rPr lang="en-US"/>
               <a:t>Click to edit Master text styles</a:t>
             </a:r>
           </a:p>
           <a:p>
             <a:pPr lvl="1"/>
             <a:r>
-              <a:rPr lang="en-US" smtClean="0"/>
+              <a:rPr lang="en-US"/>
               <a:t>Second level</a:t>
             </a:r>
           </a:p>
           <a:p>
             <a:pPr lvl="2"/>
             <a:r>
-              <a:rPr lang="en-US" smtClean="0"/>
+              <a:rPr lang="en-US"/>
               <a:t>Third level</a:t>
             </a:r>
           </a:p>
           <a:p>
             <a:pPr lvl="3"/>
             <a:r>
-              <a:rPr lang="en-US" smtClean="0"/>
+              <a:rPr lang="en-US"/>
               <a:t>Fourth level</a:t>
             </a:r>
           </a:p>
           <a:p>
             <a:pPr lvl="4"/>
             <a:r>
-              <a:rPr lang="en-US" smtClean="0"/>
+              <a:rPr lang="en-US"/>
               <a:t>Fifth level</a:t>
             </a:r>
-            <a:endParaRPr lang="en-US"/>
           </a:p>
         </p:txBody>
       </p:sp>
@@ -516,10 +516,9 @@
           </a:lstStyle>
           <a:p>
             <a:r>
-              <a:rPr lang="en-US" smtClean="0"/>
+              <a:rPr lang="en-US"/>
               <a:t>Click to edit Master title style</a:t>
             </a:r>
-            <a:endParaRPr lang="en-US"/>
           </a:p>
         </p:txBody>
       </p:sp>
@@ -581,10 +580,9 @@
           </a:lstStyle>
           <a:p>
             <a:r>
-              <a:rPr lang="en-US" smtClean="0"/>
+              <a:rPr lang="en-US"/>
               <a:t>Click to edit Master subtitle style</a:t>
             </a:r>
-            <a:endParaRPr lang="en-US"/>
           </a:p>
         </p:txBody>
       </p:sp>
@@ -605,7 +603,7 @@
           <a:p>
             <a:fld id="{338A3FAA-9C6C-4F9E-8590-40D8D97A52B8}" type="datetimeFigureOut">
               <a:rPr lang="en-US" smtClean="0"/>
-              <a:t>9/28/2021</a:t>
+              <a:t>2/13/2022</a:t>
             </a:fld>
             <a:endParaRPr lang="en-US"/>
           </a:p>
@@ -699,10 +697,9 @@
           <a:lstStyle/>
           <a:p>
             <a:r>
-              <a:rPr lang="en-US" smtClean="0"/>
+              <a:rPr lang="en-US"/>
               <a:t>Click to edit Master title style</a:t>
             </a:r>
-            <a:endParaRPr lang="en-US"/>
           </a:p>
         </p:txBody>
       </p:sp>
@@ -723,38 +720,37 @@
           <a:p>
             <a:pPr lvl="0"/>
             <a:r>
-              <a:rPr lang="en-US" smtClean="0"/>
+              <a:rPr lang="en-US"/>
               <a:t>Click to edit Master text styles</a:t>
             </a:r>
           </a:p>
           <a:p>
             <a:pPr lvl="1"/>
             <a:r>
-              <a:rPr lang="en-US" smtClean="0"/>
+              <a:rPr lang="en-US"/>
               <a:t>Second level</a:t>
             </a:r>
           </a:p>
           <a:p>
             <a:pPr lvl="2"/>
             <a:r>
-              <a:rPr lang="en-US" smtClean="0"/>
+              <a:rPr lang="en-US"/>
               <a:t>Third level</a:t>
             </a:r>
           </a:p>
           <a:p>
             <a:pPr lvl="3"/>
             <a:r>
-              <a:rPr lang="en-US" smtClean="0"/>
+              <a:rPr lang="en-US"/>
               <a:t>Fourth level</a:t>
             </a:r>
           </a:p>
           <a:p>
             <a:pPr lvl="4"/>
             <a:r>
-              <a:rPr lang="en-US" smtClean="0"/>
+              <a:rPr lang="en-US"/>
               <a:t>Fifth level</a:t>
             </a:r>
-            <a:endParaRPr lang="en-US"/>
           </a:p>
         </p:txBody>
       </p:sp>
@@ -775,7 +771,7 @@
           <a:p>
             <a:fld id="{338A3FAA-9C6C-4F9E-8590-40D8D97A52B8}" type="datetimeFigureOut">
               <a:rPr lang="en-US" smtClean="0"/>
-              <a:t>9/28/2021</a:t>
+              <a:t>2/13/2022</a:t>
             </a:fld>
             <a:endParaRPr lang="en-US"/>
           </a:p>
@@ -874,10 +870,9 @@
           <a:lstStyle/>
           <a:p>
             <a:r>
-              <a:rPr lang="en-US" smtClean="0"/>
+              <a:rPr lang="en-US"/>
               <a:t>Click to edit Master title style</a:t>
             </a:r>
-            <a:endParaRPr lang="en-US"/>
           </a:p>
         </p:txBody>
       </p:sp>
@@ -903,38 +898,37 @@
           <a:p>
             <a:pPr lvl="0"/>
             <a:r>
-              <a:rPr lang="en-US" smtClean="0"/>
+              <a:rPr lang="en-US"/>
               <a:t>Click to edit Master text styles</a:t>
             </a:r>
           </a:p>
           <a:p>
             <a:pPr lvl="1"/>
             <a:r>
-              <a:rPr lang="en-US" smtClean="0"/>
+              <a:rPr lang="en-US"/>
               <a:t>Second level</a:t>
             </a:r>
           </a:p>
           <a:p>
             <a:pPr lvl="2"/>
             <a:r>
-              <a:rPr lang="en-US" smtClean="0"/>
+              <a:rPr lang="en-US"/>
               <a:t>Third level</a:t>
             </a:r>
           </a:p>
           <a:p>
             <a:pPr lvl="3"/>
             <a:r>
-              <a:rPr lang="en-US" smtClean="0"/>
+              <a:rPr lang="en-US"/>
               <a:t>Fourth level</a:t>
             </a:r>
           </a:p>
           <a:p>
             <a:pPr lvl="4"/>
             <a:r>
-              <a:rPr lang="en-US" smtClean="0"/>
+              <a:rPr lang="en-US"/>
               <a:t>Fifth level</a:t>
             </a:r>
-            <a:endParaRPr lang="en-US"/>
           </a:p>
         </p:txBody>
       </p:sp>
@@ -955,7 +949,7 @@
           <a:p>
             <a:fld id="{338A3FAA-9C6C-4F9E-8590-40D8D97A52B8}" type="datetimeFigureOut">
               <a:rPr lang="en-US" smtClean="0"/>
-              <a:t>9/28/2021</a:t>
+              <a:t>2/13/2022</a:t>
             </a:fld>
             <a:endParaRPr lang="en-US"/>
           </a:p>
@@ -1049,10 +1043,9 @@
           <a:lstStyle/>
           <a:p>
             <a:r>
-              <a:rPr lang="en-US" smtClean="0"/>
+              <a:rPr lang="en-US"/>
               <a:t>Click to edit Master title style</a:t>
             </a:r>
-            <a:endParaRPr lang="en-US"/>
           </a:p>
         </p:txBody>
       </p:sp>
@@ -1073,38 +1066,37 @@
           <a:p>
             <a:pPr lvl="0"/>
             <a:r>
-              <a:rPr lang="en-US" smtClean="0"/>
+              <a:rPr lang="en-US"/>
               <a:t>Click to edit Master text styles</a:t>
             </a:r>
           </a:p>
           <a:p>
             <a:pPr lvl="1"/>
             <a:r>
-              <a:rPr lang="en-US" smtClean="0"/>
+              <a:rPr lang="en-US"/>
               <a:t>Second level</a:t>
             </a:r>
           </a:p>
           <a:p>
             <a:pPr lvl="2"/>
             <a:r>
-              <a:rPr lang="en-US" smtClean="0"/>
+              <a:rPr lang="en-US"/>
               <a:t>Third level</a:t>
             </a:r>
           </a:p>
           <a:p>
             <a:pPr lvl="3"/>
             <a:r>
-              <a:rPr lang="en-US" smtClean="0"/>
+              <a:rPr lang="en-US"/>
               <a:t>Fourth level</a:t>
             </a:r>
           </a:p>
           <a:p>
             <a:pPr lvl="4"/>
             <a:r>
-              <a:rPr lang="en-US" smtClean="0"/>
+              <a:rPr lang="en-US"/>
               <a:t>Fifth level</a:t>
             </a:r>
-            <a:endParaRPr lang="en-US"/>
           </a:p>
         </p:txBody>
       </p:sp>
@@ -1125,7 +1117,7 @@
           <a:p>
             <a:fld id="{338A3FAA-9C6C-4F9E-8590-40D8D97A52B8}" type="datetimeFigureOut">
               <a:rPr lang="en-US" smtClean="0"/>
-              <a:t>9/28/2021</a:t>
+              <a:t>2/13/2022</a:t>
             </a:fld>
             <a:endParaRPr lang="en-US"/>
           </a:p>
@@ -1228,10 +1220,9 @@
           </a:lstStyle>
           <a:p>
             <a:r>
-              <a:rPr lang="en-US" smtClean="0"/>
+              <a:rPr lang="en-US"/>
               <a:t>Click to edit Master title style</a:t>
             </a:r>
-            <a:endParaRPr lang="en-US"/>
           </a:p>
         </p:txBody>
       </p:sp>
@@ -1348,7 +1339,7 @@
           <a:p>
             <a:pPr lvl="0"/>
             <a:r>
-              <a:rPr lang="en-US" smtClean="0"/>
+              <a:rPr lang="en-US"/>
               <a:t>Click to edit Master text styles</a:t>
             </a:r>
           </a:p>
@@ -1371,7 +1362,7 @@
           <a:p>
             <a:fld id="{338A3FAA-9C6C-4F9E-8590-40D8D97A52B8}" type="datetimeFigureOut">
               <a:rPr lang="en-US" smtClean="0"/>
-              <a:t>9/28/2021</a:t>
+              <a:t>2/13/2022</a:t>
             </a:fld>
             <a:endParaRPr lang="en-US"/>
           </a:p>
@@ -1465,10 +1456,9 @@
           <a:lstStyle/>
           <a:p>
             <a:r>
-              <a:rPr lang="en-US" smtClean="0"/>
+              <a:rPr lang="en-US"/>
               <a:t>Click to edit Master title style</a:t>
             </a:r>
-            <a:endParaRPr lang="en-US"/>
           </a:p>
         </p:txBody>
       </p:sp>
@@ -1494,38 +1484,37 @@
           <a:p>
             <a:pPr lvl="0"/>
             <a:r>
-              <a:rPr lang="en-US" smtClean="0"/>
+              <a:rPr lang="en-US"/>
               <a:t>Click to edit Master text styles</a:t>
             </a:r>
           </a:p>
           <a:p>
             <a:pPr lvl="1"/>
             <a:r>
-              <a:rPr lang="en-US" smtClean="0"/>
+              <a:rPr lang="en-US"/>
               <a:t>Second level</a:t>
             </a:r>
           </a:p>
           <a:p>
             <a:pPr lvl="2"/>
             <a:r>
-              <a:rPr lang="en-US" smtClean="0"/>
+              <a:rPr lang="en-US"/>
               <a:t>Third level</a:t>
             </a:r>
           </a:p>
           <a:p>
             <a:pPr lvl="3"/>
             <a:r>
-              <a:rPr lang="en-US" smtClean="0"/>
+              <a:rPr lang="en-US"/>
               <a:t>Fourth level</a:t>
             </a:r>
           </a:p>
           <a:p>
             <a:pPr lvl="4"/>
             <a:r>
-              <a:rPr lang="en-US" smtClean="0"/>
+              <a:rPr lang="en-US"/>
               <a:t>Fifth level</a:t>
             </a:r>
-            <a:endParaRPr lang="en-US"/>
           </a:p>
         </p:txBody>
       </p:sp>
@@ -1551,38 +1540,37 @@
           <a:p>
             <a:pPr lvl="0"/>
             <a:r>
-              <a:rPr lang="en-US" smtClean="0"/>
+              <a:rPr lang="en-US"/>
               <a:t>Click to edit Master text styles</a:t>
             </a:r>
           </a:p>
           <a:p>
             <a:pPr lvl="1"/>
             <a:r>
-              <a:rPr lang="en-US" smtClean="0"/>
+              <a:rPr lang="en-US"/>
               <a:t>Second level</a:t>
             </a:r>
           </a:p>
           <a:p>
             <a:pPr lvl="2"/>
             <a:r>
-              <a:rPr lang="en-US" smtClean="0"/>
+              <a:rPr lang="en-US"/>
               <a:t>Third level</a:t>
             </a:r>
           </a:p>
           <a:p>
             <a:pPr lvl="3"/>
             <a:r>
-              <a:rPr lang="en-US" smtClean="0"/>
+              <a:rPr lang="en-US"/>
               <a:t>Fourth level</a:t>
             </a:r>
           </a:p>
           <a:p>
             <a:pPr lvl="4"/>
             <a:r>
-              <a:rPr lang="en-US" smtClean="0"/>
+              <a:rPr lang="en-US"/>
               <a:t>Fifth level</a:t>
             </a:r>
-            <a:endParaRPr lang="en-US"/>
           </a:p>
         </p:txBody>
       </p:sp>
@@ -1603,7 +1591,7 @@
           <a:p>
             <a:fld id="{338A3FAA-9C6C-4F9E-8590-40D8D97A52B8}" type="datetimeFigureOut">
               <a:rPr lang="en-US" smtClean="0"/>
-              <a:t>9/28/2021</a:t>
+              <a:t>2/13/2022</a:t>
             </a:fld>
             <a:endParaRPr lang="en-US"/>
           </a:p>
@@ -1702,10 +1690,9 @@
           <a:lstStyle/>
           <a:p>
             <a:r>
-              <a:rPr lang="en-US" smtClean="0"/>
+              <a:rPr lang="en-US"/>
               <a:t>Click to edit Master title style</a:t>
             </a:r>
-            <a:endParaRPr lang="en-US"/>
           </a:p>
         </p:txBody>
       </p:sp>
@@ -1768,7 +1755,7 @@
           <a:p>
             <a:pPr lvl="0"/>
             <a:r>
-              <a:rPr lang="en-US" smtClean="0"/>
+              <a:rPr lang="en-US"/>
               <a:t>Click to edit Master text styles</a:t>
             </a:r>
           </a:p>
@@ -1796,38 +1783,37 @@
           <a:p>
             <a:pPr lvl="0"/>
             <a:r>
-              <a:rPr lang="en-US" smtClean="0"/>
+              <a:rPr lang="en-US"/>
               <a:t>Click to edit Master text styles</a:t>
             </a:r>
           </a:p>
           <a:p>
             <a:pPr lvl="1"/>
             <a:r>
-              <a:rPr lang="en-US" smtClean="0"/>
+              <a:rPr lang="en-US"/>
               <a:t>Second level</a:t>
             </a:r>
           </a:p>
           <a:p>
             <a:pPr lvl="2"/>
             <a:r>
-              <a:rPr lang="en-US" smtClean="0"/>
+              <a:rPr lang="en-US"/>
               <a:t>Third level</a:t>
             </a:r>
           </a:p>
           <a:p>
             <a:pPr lvl="3"/>
             <a:r>
-              <a:rPr lang="en-US" smtClean="0"/>
+              <a:rPr lang="en-US"/>
               <a:t>Fourth level</a:t>
             </a:r>
           </a:p>
           <a:p>
             <a:pPr lvl="4"/>
             <a:r>
-              <a:rPr lang="en-US" smtClean="0"/>
+              <a:rPr lang="en-US"/>
               <a:t>Fifth level</a:t>
             </a:r>
-            <a:endParaRPr lang="en-US"/>
           </a:p>
         </p:txBody>
       </p:sp>
@@ -1890,7 +1876,7 @@
           <a:p>
             <a:pPr lvl="0"/>
             <a:r>
-              <a:rPr lang="en-US" smtClean="0"/>
+              <a:rPr lang="en-US"/>
               <a:t>Click to edit Master text styles</a:t>
             </a:r>
           </a:p>
@@ -1918,38 +1904,37 @@
           <a:p>
             <a:pPr lvl="0"/>
             <a:r>
-              <a:rPr lang="en-US" smtClean="0"/>
+              <a:rPr lang="en-US"/>
               <a:t>Click to edit Master text styles</a:t>
             </a:r>
           </a:p>
           <a:p>
             <a:pPr lvl="1"/>
             <a:r>
-              <a:rPr lang="en-US" smtClean="0"/>
+              <a:rPr lang="en-US"/>
               <a:t>Second level</a:t>
             </a:r>
           </a:p>
           <a:p>
             <a:pPr lvl="2"/>
             <a:r>
-              <a:rPr lang="en-US" smtClean="0"/>
+              <a:rPr lang="en-US"/>
               <a:t>Third level</a:t>
             </a:r>
           </a:p>
           <a:p>
             <a:pPr lvl="3"/>
             <a:r>
-              <a:rPr lang="en-US" smtClean="0"/>
+              <a:rPr lang="en-US"/>
               <a:t>Fourth level</a:t>
             </a:r>
           </a:p>
           <a:p>
             <a:pPr lvl="4"/>
             <a:r>
-              <a:rPr lang="en-US" smtClean="0"/>
+              <a:rPr lang="en-US"/>
               <a:t>Fifth level</a:t>
             </a:r>
-            <a:endParaRPr lang="en-US"/>
           </a:p>
         </p:txBody>
       </p:sp>
@@ -1970,7 +1955,7 @@
           <a:p>
             <a:fld id="{338A3FAA-9C6C-4F9E-8590-40D8D97A52B8}" type="datetimeFigureOut">
               <a:rPr lang="en-US" smtClean="0"/>
-              <a:t>9/28/2021</a:t>
+              <a:t>2/13/2022</a:t>
             </a:fld>
             <a:endParaRPr lang="en-US"/>
           </a:p>
@@ -2064,10 +2049,9 @@
           <a:lstStyle/>
           <a:p>
             <a:r>
-              <a:rPr lang="en-US" smtClean="0"/>
+              <a:rPr lang="en-US"/>
               <a:t>Click to edit Master title style</a:t>
             </a:r>
-            <a:endParaRPr lang="en-US"/>
           </a:p>
         </p:txBody>
       </p:sp>
@@ -2088,7 +2072,7 @@
           <a:p>
             <a:fld id="{338A3FAA-9C6C-4F9E-8590-40D8D97A52B8}" type="datetimeFigureOut">
               <a:rPr lang="en-US" smtClean="0"/>
-              <a:t>9/28/2021</a:t>
+              <a:t>2/13/2022</a:t>
             </a:fld>
             <a:endParaRPr lang="en-US"/>
           </a:p>
@@ -2183,7 +2167,7 @@
           <a:p>
             <a:fld id="{338A3FAA-9C6C-4F9E-8590-40D8D97A52B8}" type="datetimeFigureOut">
               <a:rPr lang="en-US" smtClean="0"/>
-              <a:t>9/28/2021</a:t>
+              <a:t>2/13/2022</a:t>
             </a:fld>
             <a:endParaRPr lang="en-US"/>
           </a:p>
@@ -2286,10 +2270,9 @@
           </a:lstStyle>
           <a:p>
             <a:r>
-              <a:rPr lang="en-US" smtClean="0"/>
+              <a:rPr lang="en-US"/>
               <a:t>Click to edit Master title style</a:t>
             </a:r>
-            <a:endParaRPr lang="en-US"/>
           </a:p>
         </p:txBody>
       </p:sp>
@@ -2343,38 +2326,37 @@
           <a:p>
             <a:pPr lvl="0"/>
             <a:r>
-              <a:rPr lang="en-US" smtClean="0"/>
+              <a:rPr lang="en-US"/>
               <a:t>Click to edit Master text styles</a:t>
             </a:r>
           </a:p>
           <a:p>
             <a:pPr lvl="1"/>
             <a:r>
-              <a:rPr lang="en-US" smtClean="0"/>
+              <a:rPr lang="en-US"/>
               <a:t>Second level</a:t>
             </a:r>
           </a:p>
           <a:p>
             <a:pPr lvl="2"/>
             <a:r>
-              <a:rPr lang="en-US" smtClean="0"/>
+              <a:rPr lang="en-US"/>
               <a:t>Third level</a:t>
             </a:r>
           </a:p>
           <a:p>
             <a:pPr lvl="3"/>
             <a:r>
-              <a:rPr lang="en-US" smtClean="0"/>
+              <a:rPr lang="en-US"/>
               <a:t>Fourth level</a:t>
             </a:r>
           </a:p>
           <a:p>
             <a:pPr lvl="4"/>
             <a:r>
-              <a:rPr lang="en-US" smtClean="0"/>
+              <a:rPr lang="en-US"/>
               <a:t>Fifth level</a:t>
             </a:r>
-            <a:endParaRPr lang="en-US"/>
           </a:p>
         </p:txBody>
       </p:sp>
@@ -2437,7 +2419,7 @@
           <a:p>
             <a:pPr lvl="0"/>
             <a:r>
-              <a:rPr lang="en-US" smtClean="0"/>
+              <a:rPr lang="en-US"/>
               <a:t>Click to edit Master text styles</a:t>
             </a:r>
           </a:p>
@@ -2460,7 +2442,7 @@
           <a:p>
             <a:fld id="{338A3FAA-9C6C-4F9E-8590-40D8D97A52B8}" type="datetimeFigureOut">
               <a:rPr lang="en-US" smtClean="0"/>
-              <a:t>9/28/2021</a:t>
+              <a:t>2/13/2022</a:t>
             </a:fld>
             <a:endParaRPr lang="en-US"/>
           </a:p>
@@ -2563,10 +2545,9 @@
           </a:lstStyle>
           <a:p>
             <a:r>
-              <a:rPr lang="en-US" smtClean="0"/>
+              <a:rPr lang="en-US"/>
               <a:t>Click to edit Master title style</a:t>
             </a:r>
-            <a:endParaRPr lang="en-US"/>
           </a:p>
         </p:txBody>
       </p:sp>
@@ -2690,7 +2671,7 @@
           <a:p>
             <a:pPr lvl="0"/>
             <a:r>
-              <a:rPr lang="en-US" smtClean="0"/>
+              <a:rPr lang="en-US"/>
               <a:t>Click to edit Master text styles</a:t>
             </a:r>
           </a:p>
@@ -2713,7 +2694,7 @@
           <a:p>
             <a:fld id="{338A3FAA-9C6C-4F9E-8590-40D8D97A52B8}" type="datetimeFigureOut">
               <a:rPr lang="en-US" smtClean="0"/>
-              <a:t>9/28/2021</a:t>
+              <a:t>2/13/2022</a:t>
             </a:fld>
             <a:endParaRPr lang="en-US"/>
           </a:p>
@@ -2822,10 +2803,9 @@
           <a:lstStyle/>
           <a:p>
             <a:r>
-              <a:rPr lang="en-US" noProof="0" dirty="0" smtClean="0"/>
+              <a:rPr lang="en-US" noProof="0" dirty="0"/>
               <a:t>Click to edit Master title style</a:t>
             </a:r>
-            <a:endParaRPr lang="en-US" noProof="0" dirty="0"/>
           </a:p>
         </p:txBody>
       </p:sp>
@@ -2856,38 +2836,37 @@
           <a:p>
             <a:pPr lvl="0"/>
             <a:r>
-              <a:rPr lang="en-US" noProof="0" dirty="0" smtClean="0"/>
+              <a:rPr lang="en-US" noProof="0" dirty="0"/>
               <a:t>Click to edit Master text styles</a:t>
             </a:r>
           </a:p>
           <a:p>
             <a:pPr lvl="1"/>
             <a:r>
-              <a:rPr lang="en-US" noProof="0" dirty="0" smtClean="0"/>
+              <a:rPr lang="en-US" noProof="0" dirty="0"/>
               <a:t>Second level</a:t>
             </a:r>
           </a:p>
           <a:p>
             <a:pPr lvl="2"/>
             <a:r>
-              <a:rPr lang="en-US" noProof="0" dirty="0" smtClean="0"/>
+              <a:rPr lang="en-US" noProof="0" dirty="0"/>
               <a:t>Third level</a:t>
             </a:r>
           </a:p>
           <a:p>
             <a:pPr lvl="3"/>
             <a:r>
-              <a:rPr lang="en-US" noProof="0" dirty="0" smtClean="0"/>
+              <a:rPr lang="en-US" noProof="0" dirty="0"/>
               <a:t>Fourth level</a:t>
             </a:r>
           </a:p>
           <a:p>
             <a:pPr lvl="4"/>
             <a:r>
-              <a:rPr lang="en-US" noProof="0" dirty="0" smtClean="0"/>
+              <a:rPr lang="en-US" noProof="0" dirty="0"/>
               <a:t>Fifth level</a:t>
             </a:r>
-            <a:endParaRPr lang="en-US" noProof="0" dirty="0"/>
           </a:p>
         </p:txBody>
       </p:sp>
@@ -2926,7 +2905,7 @@
           <a:p>
             <a:fld id="{338A3FAA-9C6C-4F9E-8590-40D8D97A52B8}" type="datetimeFigureOut">
               <a:rPr lang="en-US" smtClean="0"/>
-              <a:t>9/28/2021</a:t>
+              <a:t>2/13/2022</a:t>
             </a:fld>
             <a:endParaRPr lang="en-US"/>
           </a:p>
@@ -3349,22 +3328,18 @@
           <a:lstStyle/>
           <a:p>
             <a:r>
-              <a:rPr lang="en-US" dirty="0" smtClean="0">
+              <a:rPr lang="en-US" dirty="0">
                 <a:solidFill>
                   <a:srgbClr val="C00000"/>
                 </a:solidFill>
               </a:rPr>
               <a:t>Computer Graphics</a:t>
             </a:r>
-            <a:r>
-              <a:rPr lang="en-US" dirty="0" smtClean="0"/>
-              <a:t/>
-            </a:r>
             <a:br>
-              <a:rPr lang="en-US" dirty="0" smtClean="0"/>
+              <a:rPr lang="en-US" dirty="0"/>
             </a:br>
             <a:r>
-              <a:rPr lang="hu-HU" dirty="0" err="1" smtClean="0"/>
+              <a:rPr lang="hu-HU" dirty="0" err="1"/>
               <a:t>Geometry</a:t>
             </a:r>
             <a:endParaRPr lang="en-US" dirty="0"/>
@@ -3387,24 +3362,23 @@
           <a:lstStyle/>
           <a:p>
             <a:r>
-              <a:rPr lang="hu-HU" dirty="0" smtClean="0"/>
+              <a:rPr lang="hu-HU" dirty="0"/>
               <a:t>László Szécsi  </a:t>
             </a:r>
             <a:r>
-              <a:rPr lang="en-US" altLang="en-US" dirty="0" err="1" smtClean="0"/>
+              <a:rPr lang="en-US" altLang="en-US" dirty="0" err="1"/>
               <a:t>szecsi</a:t>
             </a:r>
             <a:r>
-              <a:rPr lang="hu-HU" altLang="en-US" dirty="0" smtClean="0"/>
+              <a:rPr lang="hu-HU" altLang="en-US" dirty="0"/>
               <a:t>@iit.bme.hu</a:t>
             </a:r>
           </a:p>
           <a:p>
             <a:r>
-              <a:rPr lang="hu-HU" altLang="en-US" dirty="0" smtClean="0"/>
+              <a:rPr lang="hu-HU" altLang="en-US" dirty="0"/>
               <a:t>AIT</a:t>
             </a:r>
-            <a:endParaRPr lang="hu-HU" altLang="en-US" dirty="0"/>
           </a:p>
         </p:txBody>
       </p:sp>
@@ -3418,13 +3392,6 @@
   <p:clrMapOvr>
     <a:masterClrMapping/>
   </p:clrMapOvr>
-  <p:timing>
-    <p:tnLst>
-      <p:par>
-        <p:cTn id="1" dur="indefinite" restart="never" nodeType="tmRoot"/>
-      </p:par>
-    </p:tnLst>
-  </p:timing>
 </p:sld>
 </file>
 
@@ -3541,10 +3508,9 @@
           <a:lstStyle/>
           <a:p>
             <a:r>
-              <a:rPr lang="en-US" dirty="0" smtClean="0"/>
+              <a:rPr lang="en-US" dirty="0"/>
               <a:t>Star – as a triangle fan</a:t>
             </a:r>
-            <a:endParaRPr lang="en-US" dirty="0"/>
           </a:p>
         </p:txBody>
       </p:sp>
@@ -4562,13 +4528,6 @@
   <p:clrMapOvr>
     <a:masterClrMapping/>
   </p:clrMapOvr>
-  <p:timing>
-    <p:tnLst>
-      <p:par>
-        <p:cTn id="1" dur="indefinite" restart="never" nodeType="tmRoot"/>
-      </p:par>
-    </p:tnLst>
-  </p:timing>
 </p:sld>
 </file>
 
@@ -4605,14 +4564,13 @@
           <a:lstStyle/>
           <a:p>
             <a:r>
-              <a:rPr lang="en-US" dirty="0" err="1" smtClean="0"/>
+              <a:rPr lang="en-US" dirty="0" err="1"/>
               <a:t>StarGeometry</a:t>
             </a:r>
             <a:r>
-              <a:rPr lang="en-US" dirty="0" smtClean="0"/>
+              <a:rPr lang="en-US" dirty="0"/>
               <a:t> – vertex buffer</a:t>
             </a:r>
-            <a:endParaRPr lang="en-US" dirty="0"/>
           </a:p>
         </p:txBody>
       </p:sp>
@@ -4632,59 +4590,58 @@
           <a:lstStyle/>
           <a:p>
             <a:r>
-              <a:rPr lang="hu-HU" dirty="0" smtClean="0"/>
+              <a:rPr lang="hu-HU" dirty="0"/>
               <a:t>start with an array holding only the origin</a:t>
             </a:r>
             <a:r>
-              <a:rPr lang="en-US" dirty="0" smtClean="0"/>
+              <a:rPr lang="en-US" dirty="0"/>
               <a:t>’s coordinates</a:t>
             </a:r>
           </a:p>
           <a:p>
             <a:r>
-              <a:rPr lang="en-US" dirty="0" smtClean="0"/>
+              <a:rPr lang="en-US" dirty="0"/>
               <a:t>in a loop, push in coordinates along the perimeter</a:t>
             </a:r>
           </a:p>
           <a:p>
             <a:pPr lvl="1"/>
             <a:r>
-              <a:rPr lang="en-US" dirty="0" smtClean="0"/>
+              <a:rPr lang="en-US" dirty="0"/>
               <a:t>the loop variable is angle phi</a:t>
             </a:r>
           </a:p>
           <a:p>
             <a:pPr lvl="1"/>
             <a:r>
-              <a:rPr lang="en-US" dirty="0" smtClean="0"/>
+              <a:rPr lang="en-US" dirty="0"/>
               <a:t>use cos phi and sin phi</a:t>
             </a:r>
           </a:p>
           <a:p>
             <a:pPr lvl="1"/>
             <a:r>
-              <a:rPr lang="en-US" dirty="0" smtClean="0"/>
+              <a:rPr lang="en-US" dirty="0"/>
               <a:t>radius is different for odd vertices</a:t>
             </a:r>
           </a:p>
           <a:p>
             <a:r>
-              <a:rPr lang="en-US" dirty="0" smtClean="0"/>
+              <a:rPr lang="en-US" dirty="0"/>
               <a:t>use your array in place of the literal array of numbers when filling the vertex buffer</a:t>
             </a:r>
           </a:p>
           <a:p>
             <a:r>
-              <a:rPr lang="en-US" dirty="0" smtClean="0"/>
+              <a:rPr lang="en-US" dirty="0"/>
               <a:t>take care to keep the typed array constructor</a:t>
             </a:r>
           </a:p>
           <a:p>
             <a:r>
-              <a:rPr lang="en-US" dirty="0" smtClean="0"/>
+              <a:rPr lang="en-US" dirty="0"/>
               <a:t>also fill the color vertex buffer to appropriate size (be creative)</a:t>
             </a:r>
-            <a:endParaRPr lang="en-US" dirty="0"/>
           </a:p>
         </p:txBody>
       </p:sp>
@@ -5776,7 +5733,7 @@
           <a:lstStyle/>
           <a:p>
             <a:r>
-              <a:rPr lang="hu-HU" sz="20000" dirty="0" smtClean="0">
+              <a:rPr lang="hu-HU" sz="20000" dirty="0">
                 <a:solidFill>
                   <a:srgbClr val="00B050"/>
                 </a:solidFill>
@@ -5803,13 +5760,6 @@
   <p:clrMapOvr>
     <a:masterClrMapping/>
   </p:clrMapOvr>
-  <p:timing>
-    <p:tnLst>
-      <p:par>
-        <p:cTn id="1" dur="indefinite" restart="never" nodeType="tmRoot"/>
-      </p:par>
-    </p:tnLst>
-  </p:timing>
 </p:sld>
 </file>
 
@@ -5846,7 +5796,7 @@
           <a:lstStyle/>
           <a:p>
             <a:r>
-              <a:rPr lang="hu-HU" dirty="0" smtClean="0"/>
+              <a:rPr lang="hu-HU" dirty="0"/>
               <a:t>Array construction in Kotlin</a:t>
             </a:r>
             <a:endParaRPr lang="en-US" dirty="0"/>
@@ -5895,7 +5845,7 @@
           <a:lstStyle/>
           <a:p>
             <a:r>
-              <a:rPr lang="hu-HU" dirty="0" smtClean="0">
+              <a:rPr lang="hu-HU" dirty="0">
                 <a:solidFill>
                   <a:schemeClr val="tx1"/>
                 </a:solidFill>
@@ -5904,7 +5854,7 @@
               <a:t>val vert</a:t>
             </a:r>
             <a:r>
-              <a:rPr lang="en-US" dirty="0" err="1" smtClean="0">
+              <a:rPr lang="en-US" dirty="0" err="1">
                 <a:solidFill>
                   <a:schemeClr val="tx1"/>
                 </a:solidFill>
@@ -5913,7 +5863,7 @@
               <a:t>exCoords</a:t>
             </a:r>
             <a:r>
-              <a:rPr lang="hu-HU" dirty="0" smtClean="0">
+              <a:rPr lang="hu-HU" dirty="0">
                 <a:solidFill>
                   <a:schemeClr val="tx1"/>
                 </a:solidFill>
@@ -5922,7 +5872,7 @@
               <a:t> </a:t>
             </a:r>
             <a:r>
-              <a:rPr lang="en-US" dirty="0" smtClean="0">
+              <a:rPr lang="en-US" dirty="0">
                 <a:solidFill>
                   <a:schemeClr val="tx1"/>
                 </a:solidFill>
@@ -5931,7 +5881,7 @@
               <a:t>= </a:t>
             </a:r>
             <a:r>
-              <a:rPr lang="en-US" dirty="0" err="1" smtClean="0">
+              <a:rPr lang="en-US" dirty="0" err="1">
                 <a:solidFill>
                   <a:schemeClr val="tx1"/>
                 </a:solidFill>
@@ -5940,7 +5890,7 @@
               <a:t>ArrayList</a:t>
             </a:r>
             <a:r>
-              <a:rPr lang="en-US" dirty="0" smtClean="0">
+              <a:rPr lang="en-US" dirty="0">
                 <a:solidFill>
                   <a:schemeClr val="tx1"/>
                 </a:solidFill>
@@ -5951,7 +5901,7 @@
           </a:p>
           <a:p>
             <a:r>
-              <a:rPr lang="hu-HU" dirty="0" smtClean="0">
+              <a:rPr lang="hu-HU" dirty="0">
                 <a:solidFill>
                   <a:schemeClr val="tx1"/>
                 </a:solidFill>
@@ -5975,27 +5925,12 @@
                 </a:solidFill>
                 <a:latin typeface="Consolas" panose="020B0609020204030204" pitchFamily="49" charset="0"/>
               </a:rPr>
-              <a:t>( </a:t>
-            </a:r>
-            <a:r>
-              <a:rPr lang="en-US" dirty="0" smtClean="0">
-                <a:solidFill>
-                  <a:schemeClr val="tx1"/>
-                </a:solidFill>
-                <a:latin typeface="Consolas" panose="020B0609020204030204" pitchFamily="49" charset="0"/>
-              </a:rPr>
-              <a:t>0.0f)</a:t>
-            </a:r>
-            <a:endParaRPr lang="en-US" dirty="0">
-              <a:solidFill>
-                <a:schemeClr val="tx1"/>
-              </a:solidFill>
-              <a:latin typeface="Consolas" panose="020B0609020204030204" pitchFamily="49" charset="0"/>
-            </a:endParaRPr>
-          </a:p>
-          <a:p>
-            <a:r>
-              <a:rPr lang="hu-HU" dirty="0" smtClean="0">
+              <a:t>( 0.0f)</a:t>
+            </a:r>
+          </a:p>
+          <a:p>
+            <a:r>
+              <a:rPr lang="hu-HU" dirty="0">
                 <a:solidFill>
                   <a:schemeClr val="tx1"/>
                 </a:solidFill>
@@ -6019,27 +5954,12 @@
                 </a:solidFill>
                 <a:latin typeface="Consolas" panose="020B0609020204030204" pitchFamily="49" charset="0"/>
               </a:rPr>
-              <a:t>( </a:t>
-            </a:r>
-            <a:r>
-              <a:rPr lang="en-US" dirty="0" smtClean="0">
-                <a:solidFill>
-                  <a:schemeClr val="tx1"/>
-                </a:solidFill>
-                <a:latin typeface="Consolas" panose="020B0609020204030204" pitchFamily="49" charset="0"/>
-              </a:rPr>
-              <a:t>0.0f )</a:t>
-            </a:r>
-            <a:endParaRPr lang="en-US" dirty="0">
-              <a:solidFill>
-                <a:schemeClr val="tx1"/>
-              </a:solidFill>
-              <a:latin typeface="Consolas" panose="020B0609020204030204" pitchFamily="49" charset="0"/>
-            </a:endParaRPr>
-          </a:p>
-          <a:p>
-            <a:r>
-              <a:rPr lang="hu-HU" dirty="0" smtClean="0">
+              <a:t>( 0.0f )</a:t>
+            </a:r>
+          </a:p>
+          <a:p>
+            <a:r>
+              <a:rPr lang="hu-HU" dirty="0">
                 <a:solidFill>
                   <a:schemeClr val="tx1"/>
                 </a:solidFill>
@@ -6065,16 +5985,10 @@
               </a:rPr>
               <a:t>( 0.5f  )</a:t>
             </a:r>
-            <a:endParaRPr lang="en-US" dirty="0" smtClean="0">
-              <a:solidFill>
-                <a:schemeClr val="tx1"/>
-              </a:solidFill>
-              <a:latin typeface="Consolas" panose="020B0609020204030204" pitchFamily="49" charset="0"/>
-            </a:endParaRPr>
-          </a:p>
-          <a:p>
-            <a:r>
-              <a:rPr lang="en-US" dirty="0" smtClean="0">
+          </a:p>
+          <a:p>
+            <a:r>
+              <a:rPr lang="en-US" dirty="0">
                 <a:solidFill>
                   <a:schemeClr val="tx1"/>
                 </a:solidFill>
@@ -6083,7 +5997,7 @@
               <a:t>for(</a:t>
             </a:r>
             <a:r>
-              <a:rPr lang="en-US" dirty="0" err="1" smtClean="0">
+              <a:rPr lang="en-US" dirty="0" err="1">
                 <a:solidFill>
                   <a:schemeClr val="tx1"/>
                 </a:solidFill>
@@ -6092,7 +6006,7 @@
               <a:t>i</a:t>
             </a:r>
             <a:r>
-              <a:rPr lang="en-US" dirty="0" smtClean="0">
+              <a:rPr lang="en-US" dirty="0">
                 <a:solidFill>
                   <a:schemeClr val="tx1"/>
                 </a:solidFill>
@@ -6109,19 +6023,10 @@
                 </a:solidFill>
                 <a:latin typeface="Consolas" panose="020B0609020204030204" pitchFamily="49" charset="0"/>
               </a:rPr>
-              <a:t> </a:t>
-            </a:r>
-            <a:r>
-              <a:rPr lang="en-US" dirty="0" smtClean="0">
-                <a:solidFill>
-                  <a:schemeClr val="tx1"/>
-                </a:solidFill>
-                <a:latin typeface="Consolas" panose="020B0609020204030204" pitchFamily="49" charset="0"/>
-              </a:rPr>
-              <a:t> </a:t>
-            </a:r>
-            <a:r>
-              <a:rPr lang="en-US" dirty="0" err="1" smtClean="0">
+              <a:t>  </a:t>
+            </a:r>
+            <a:r>
+              <a:rPr lang="en-US" dirty="0" err="1">
                 <a:solidFill>
                   <a:schemeClr val="tx1"/>
                 </a:solidFill>
@@ -6130,7 +6035,7 @@
               <a:t>val</a:t>
             </a:r>
             <a:r>
-              <a:rPr lang="en-US" dirty="0" smtClean="0">
+              <a:rPr lang="en-US" dirty="0">
                 <a:solidFill>
                   <a:schemeClr val="tx1"/>
                 </a:solidFill>
@@ -6139,7 +6044,7 @@
               <a:t> phi = </a:t>
             </a:r>
             <a:r>
-              <a:rPr lang="en-US" dirty="0" err="1" smtClean="0">
+              <a:rPr lang="en-US" dirty="0" err="1">
                 <a:solidFill>
                   <a:schemeClr val="tx1"/>
                 </a:solidFill>
@@ -6148,7 +6053,7 @@
               <a:t>i</a:t>
             </a:r>
             <a:r>
-              <a:rPr lang="en-US" dirty="0" smtClean="0">
+              <a:rPr lang="en-US" dirty="0">
                 <a:solidFill>
                   <a:schemeClr val="tx1"/>
                 </a:solidFill>
@@ -6157,7 +6062,7 @@
               <a:t> * 2.0f * </a:t>
             </a:r>
             <a:r>
-              <a:rPr lang="en-US" dirty="0" err="1" smtClean="0">
+              <a:rPr lang="en-US" dirty="0" err="1">
                 <a:solidFill>
                   <a:schemeClr val="tx1"/>
                 </a:solidFill>
@@ -6166,7 +6071,7 @@
               <a:t>PI.toFloat</a:t>
             </a:r>
             <a:r>
-              <a:rPr lang="en-US" dirty="0" smtClean="0">
+              <a:rPr lang="en-US" dirty="0">
                 <a:solidFill>
                   <a:schemeClr val="tx1"/>
                 </a:solidFill>
@@ -6177,7 +6082,7 @@
           </a:p>
           <a:p>
             <a:r>
-              <a:rPr lang="en-US" dirty="0" smtClean="0">
+              <a:rPr lang="en-US" dirty="0">
                 <a:solidFill>
                   <a:schemeClr val="tx1"/>
                 </a:solidFill>
@@ -6195,100 +6100,6 @@
               <a:t>vert</a:t>
             </a:r>
             <a:r>
-              <a:rPr lang="en-US" dirty="0" err="1" smtClean="0">
-                <a:solidFill>
-                  <a:schemeClr val="tx1"/>
-                </a:solidFill>
-                <a:latin typeface="Consolas" panose="020B0609020204030204" pitchFamily="49" charset="0"/>
-              </a:rPr>
-              <a:t>exCoords.add</a:t>
-            </a:r>
-            <a:r>
-              <a:rPr lang="en-US" dirty="0" smtClean="0">
-                <a:solidFill>
-                  <a:schemeClr val="tx1"/>
-                </a:solidFill>
-                <a:latin typeface="Consolas" panose="020B0609020204030204" pitchFamily="49" charset="0"/>
-              </a:rPr>
-              <a:t>( cos(phi))</a:t>
-            </a:r>
-          </a:p>
-          <a:p>
-            <a:r>
-              <a:rPr lang="en-US" dirty="0">
-                <a:solidFill>
-                  <a:schemeClr val="tx1"/>
-                </a:solidFill>
-                <a:latin typeface="Consolas" panose="020B0609020204030204" pitchFamily="49" charset="0"/>
-              </a:rPr>
-              <a:t> </a:t>
-            </a:r>
-            <a:r>
-              <a:rPr lang="en-US" dirty="0" smtClean="0">
-                <a:solidFill>
-                  <a:schemeClr val="tx1"/>
-                </a:solidFill>
-                <a:latin typeface="Consolas" panose="020B0609020204030204" pitchFamily="49" charset="0"/>
-              </a:rPr>
-              <a:t> </a:t>
-            </a:r>
-            <a:r>
-              <a:rPr lang="hu-HU" dirty="0" smtClean="0">
-                <a:solidFill>
-                  <a:schemeClr val="tx1"/>
-                </a:solidFill>
-                <a:latin typeface="Consolas" panose="020B0609020204030204" pitchFamily="49" charset="0"/>
-              </a:rPr>
-              <a:t>vert</a:t>
-            </a:r>
-            <a:r>
-              <a:rPr lang="en-US" dirty="0" err="1" smtClean="0">
-                <a:solidFill>
-                  <a:schemeClr val="tx1"/>
-                </a:solidFill>
-                <a:latin typeface="Consolas" panose="020B0609020204030204" pitchFamily="49" charset="0"/>
-              </a:rPr>
-              <a:t>exCoords.add</a:t>
-            </a:r>
-            <a:r>
-              <a:rPr lang="en-US" dirty="0" smtClean="0">
-                <a:solidFill>
-                  <a:schemeClr val="tx1"/>
-                </a:solidFill>
-                <a:latin typeface="Consolas" panose="020B0609020204030204" pitchFamily="49" charset="0"/>
-              </a:rPr>
-              <a:t>( sin(phi))</a:t>
-            </a:r>
-          </a:p>
-          <a:p>
-            <a:r>
-              <a:rPr lang="en-US" dirty="0">
-                <a:solidFill>
-                  <a:schemeClr val="tx1"/>
-                </a:solidFill>
-                <a:latin typeface="Consolas" panose="020B0609020204030204" pitchFamily="49" charset="0"/>
-              </a:rPr>
-              <a:t> </a:t>
-            </a:r>
-            <a:r>
-              <a:rPr lang="en-US" dirty="0" smtClean="0">
-                <a:solidFill>
-                  <a:schemeClr val="tx1"/>
-                </a:solidFill>
-                <a:latin typeface="Consolas" panose="020B0609020204030204" pitchFamily="49" charset="0"/>
-              </a:rPr>
-              <a:t> </a:t>
-            </a:r>
-            <a:r>
-              <a:rPr lang="hu-HU" dirty="0" smtClean="0">
-                <a:solidFill>
-                  <a:schemeClr val="tx1"/>
-                </a:solidFill>
-                <a:latin typeface="Consolas" panose="020B0609020204030204" pitchFamily="49" charset="0"/>
-              </a:rPr>
-              <a:t>vert</a:t>
-            </a:r>
-            <a:r>
               <a:rPr lang="en-US" dirty="0" err="1">
                 <a:solidFill>
                   <a:schemeClr val="tx1"/>
@@ -6304,21 +6115,88 @@
                 </a:solidFill>
                 <a:latin typeface="Consolas" panose="020B0609020204030204" pitchFamily="49" charset="0"/>
               </a:rPr>
-              <a:t>( </a:t>
-            </a:r>
-            <a:r>
-              <a:rPr lang="en-US" dirty="0" smtClean="0">
+              <a:t>( cos(phi))</a:t>
+            </a:r>
+          </a:p>
+          <a:p>
+            <a:r>
+              <a:rPr lang="en-US" dirty="0">
                 <a:solidFill>
                   <a:schemeClr val="tx1"/>
                 </a:solidFill>
                 <a:latin typeface="Consolas" panose="020B0609020204030204" pitchFamily="49" charset="0"/>
               </a:rPr>
-              <a:t>0.5f  )</a:t>
-            </a:r>
-          </a:p>
-          <a:p>
-            <a:r>
-              <a:rPr lang="en-US" dirty="0" smtClean="0">
+              <a:t>  </a:t>
+            </a:r>
+            <a:r>
+              <a:rPr lang="hu-HU" dirty="0">
+                <a:solidFill>
+                  <a:schemeClr val="tx1"/>
+                </a:solidFill>
+                <a:latin typeface="Consolas" panose="020B0609020204030204" pitchFamily="49" charset="0"/>
+              </a:rPr>
+              <a:t>vert</a:t>
+            </a:r>
+            <a:r>
+              <a:rPr lang="en-US" dirty="0" err="1">
+                <a:solidFill>
+                  <a:schemeClr val="tx1"/>
+                </a:solidFill>
+                <a:latin typeface="Consolas" panose="020B0609020204030204" pitchFamily="49" charset="0"/>
+              </a:rPr>
+              <a:t>exCoords.add</a:t>
+            </a:r>
+            <a:r>
+              <a:rPr lang="en-US" dirty="0">
+                <a:solidFill>
+                  <a:schemeClr val="tx1"/>
+                </a:solidFill>
+                <a:latin typeface="Consolas" panose="020B0609020204030204" pitchFamily="49" charset="0"/>
+              </a:rPr>
+              <a:t>( sin(phi))</a:t>
+            </a:r>
+          </a:p>
+          <a:p>
+            <a:r>
+              <a:rPr lang="en-US" dirty="0">
+                <a:solidFill>
+                  <a:schemeClr val="tx1"/>
+                </a:solidFill>
+                <a:latin typeface="Consolas" panose="020B0609020204030204" pitchFamily="49" charset="0"/>
+              </a:rPr>
+              <a:t>  </a:t>
+            </a:r>
+            <a:r>
+              <a:rPr lang="hu-HU" dirty="0">
+                <a:solidFill>
+                  <a:schemeClr val="tx1"/>
+                </a:solidFill>
+                <a:latin typeface="Consolas" panose="020B0609020204030204" pitchFamily="49" charset="0"/>
+              </a:rPr>
+              <a:t>vert</a:t>
+            </a:r>
+            <a:r>
+              <a:rPr lang="en-US" dirty="0" err="1">
+                <a:solidFill>
+                  <a:schemeClr val="tx1"/>
+                </a:solidFill>
+                <a:latin typeface="Consolas" panose="020B0609020204030204" pitchFamily="49" charset="0"/>
+              </a:rPr>
+              <a:t>exCoords.add</a:t>
+            </a:r>
+            <a:r>
+              <a:rPr lang="en-US" dirty="0">
+                <a:solidFill>
+                  <a:schemeClr val="tx1"/>
+                </a:solidFill>
+                <a:latin typeface="Consolas" panose="020B0609020204030204" pitchFamily="49" charset="0"/>
+              </a:rPr>
+              <a:t>( 0.5f  )</a:t>
+            </a:r>
+          </a:p>
+          <a:p>
+            <a:r>
+              <a:rPr lang="en-US" dirty="0">
                 <a:solidFill>
                   <a:schemeClr val="tx1"/>
                 </a:solidFill>
@@ -6337,7 +6215,7 @@
           </a:p>
           <a:p>
             <a:r>
-              <a:rPr lang="en-US" dirty="0" err="1" smtClean="0">
+              <a:rPr lang="en-US" dirty="0" err="1">
                 <a:solidFill>
                   <a:schemeClr val="bg1">
                     <a:lumMod val="50000"/>
@@ -6348,17 +6226,6 @@
               <a:t>gl.bufferData</a:t>
             </a:r>
             <a:r>
-              <a:rPr lang="en-US" dirty="0" smtClean="0">
-                <a:solidFill>
-                  <a:schemeClr val="bg1">
-                    <a:lumMod val="50000"/>
-                  </a:schemeClr>
-                </a:solidFill>
-                <a:latin typeface="Consolas" panose="020B0609020204030204" pitchFamily="49" charset="0"/>
-              </a:rPr>
-              <a:t>(GL.ARRAY_BUFFER</a:t>
-            </a:r>
-            <a:r>
               <a:rPr lang="en-US" dirty="0">
                 <a:solidFill>
                   <a:schemeClr val="bg1">
@@ -6367,7 +6234,7 @@
                 </a:solidFill>
                 <a:latin typeface="Consolas" panose="020B0609020204030204" pitchFamily="49" charset="0"/>
               </a:rPr>
-              <a:t>,</a:t>
+              <a:t>(GL.ARRAY_BUFFER,</a:t>
             </a:r>
           </a:p>
           <a:p>
@@ -6380,18 +6247,7 @@
                 </a:solidFill>
                 <a:latin typeface="Consolas" panose="020B0609020204030204" pitchFamily="49" charset="0"/>
               </a:rPr>
-              <a:t>      </a:t>
-            </a:r>
-            <a:r>
-              <a:rPr lang="en-US" dirty="0" smtClean="0">
-                <a:solidFill>
-                  <a:schemeClr val="bg1">
-                    <a:lumMod val="50000"/>
-                  </a:schemeClr>
-                </a:solidFill>
-                <a:latin typeface="Consolas" panose="020B0609020204030204" pitchFamily="49" charset="0"/>
-              </a:rPr>
-              <a:t>Float32Array(</a:t>
+              <a:t>      Float32Array(</a:t>
             </a:r>
             <a:r>
               <a:rPr lang="hu-HU" dirty="0">
@@ -6403,7 +6259,7 @@
               <a:t>vert</a:t>
             </a:r>
             <a:r>
-              <a:rPr lang="en-US" dirty="0" smtClean="0">
+              <a:rPr lang="en-US" dirty="0">
                 <a:solidFill>
                   <a:schemeClr val="tx1"/>
                 </a:solidFill>
@@ -6412,7 +6268,7 @@
               <a:t>exCoords.to</a:t>
             </a:r>
             <a:r>
-              <a:rPr lang="hu-HU" smtClean="0">
+              <a:rPr lang="hu-HU">
                 <a:solidFill>
                   <a:schemeClr val="tx1"/>
                 </a:solidFill>
@@ -6421,7 +6277,7 @@
               <a:t>Typed</a:t>
             </a:r>
             <a:r>
-              <a:rPr lang="en-US" smtClean="0">
+              <a:rPr lang="en-US">
                 <a:solidFill>
                   <a:schemeClr val="tx1"/>
                 </a:solidFill>
@@ -6430,7 +6286,7 @@
               <a:t>Array</a:t>
             </a:r>
             <a:r>
-              <a:rPr lang="en-US" dirty="0" smtClean="0">
+              <a:rPr lang="en-US" dirty="0">
                 <a:solidFill>
                   <a:schemeClr val="tx1"/>
                 </a:solidFill>
@@ -6439,7 +6295,7 @@
               <a:t>()</a:t>
             </a:r>
             <a:r>
-              <a:rPr lang="en-US" dirty="0" smtClean="0">
+              <a:rPr lang="en-US" dirty="0">
                 <a:solidFill>
                   <a:schemeClr val="bg1">
                     <a:lumMod val="50000"/>
@@ -6449,14 +6305,6 @@
               </a:rPr>
               <a:t>),</a:t>
             </a:r>
-            <a:endParaRPr lang="en-US" dirty="0">
-              <a:solidFill>
-                <a:schemeClr val="bg1">
-                  <a:lumMod val="50000"/>
-                </a:schemeClr>
-              </a:solidFill>
-              <a:latin typeface="Consolas" panose="020B0609020204030204" pitchFamily="49" charset="0"/>
-            </a:endParaRPr>
           </a:p>
           <a:p>
             <a:r>
@@ -6483,13 +6331,6 @@
   <p:clrMapOvr>
     <a:masterClrMapping/>
   </p:clrMapOvr>
-  <p:timing>
-    <p:tnLst>
-      <p:par>
-        <p:cTn id="1" dur="indefinite" restart="never" nodeType="tmRoot"/>
-      </p:par>
-    </p:tnLst>
-  </p:timing>
 </p:sld>
 </file>
 
@@ -6526,14 +6367,13 @@
           <a:lstStyle/>
           <a:p>
             <a:r>
-              <a:rPr lang="en-US" dirty="0" err="1" smtClean="0"/>
+              <a:rPr lang="en-US" dirty="0" err="1"/>
               <a:t>StarGeometry</a:t>
             </a:r>
             <a:r>
-              <a:rPr lang="en-US" dirty="0" smtClean="0"/>
+              <a:rPr lang="en-US" dirty="0"/>
               <a:t> – index buffer</a:t>
             </a:r>
-            <a:endParaRPr lang="en-US" dirty="0"/>
           </a:p>
         </p:txBody>
       </p:sp>
@@ -6553,35 +6393,34 @@
           <a:lstStyle/>
           <a:p>
             <a:r>
-              <a:rPr lang="en-US" dirty="0" smtClean="0"/>
+              <a:rPr lang="en-US" dirty="0"/>
               <a:t>how many triangles do you need?</a:t>
             </a:r>
           </a:p>
           <a:p>
             <a:r>
-              <a:rPr lang="en-US" dirty="0" smtClean="0"/>
+              <a:rPr lang="en-US" dirty="0"/>
               <a:t>how many indices does that mean?</a:t>
             </a:r>
           </a:p>
           <a:p>
             <a:r>
-              <a:rPr lang="en-US" dirty="0" smtClean="0"/>
+              <a:rPr lang="en-US" dirty="0"/>
               <a:t>what are the indices of the vertices that make a triangle?</a:t>
             </a:r>
           </a:p>
           <a:p>
             <a:pPr lvl="1"/>
             <a:r>
-              <a:rPr lang="en-US" dirty="0" smtClean="0"/>
+              <a:rPr lang="en-US" dirty="0"/>
               <a:t>note that the origin is part of every triangle here</a:t>
             </a:r>
           </a:p>
           <a:p>
             <a:r>
-              <a:rPr lang="en-US" dirty="0" smtClean="0"/>
+              <a:rPr lang="en-US" dirty="0"/>
               <a:t>fill array of indices in a loop</a:t>
             </a:r>
-            <a:endParaRPr lang="en-US" dirty="0"/>
           </a:p>
         </p:txBody>
       </p:sp>
@@ -7673,7 +7512,7 @@
           <a:lstStyle/>
           <a:p>
             <a:r>
-              <a:rPr lang="hu-HU" sz="20000" dirty="0" smtClean="0">
+              <a:rPr lang="hu-HU" sz="20000" dirty="0">
                 <a:solidFill>
                   <a:srgbClr val="00B050"/>
                 </a:solidFill>
@@ -7700,13 +7539,6 @@
   <p:clrMapOvr>
     <a:masterClrMapping/>
   </p:clrMapOvr>
-  <p:timing>
-    <p:tnLst>
-      <p:par>
-        <p:cTn id="1" dur="indefinite" restart="never" nodeType="tmRoot"/>
-      </p:par>
-    </p:tnLst>
-  </p:timing>
 </p:sld>
 </file>
 
@@ -7729,6 +7561,516 @@
       </p:grpSpPr>
       <p:sp>
         <p:nvSpPr>
+          <p:cNvPr id="4" name="Title 3"/>
+          <p:cNvSpPr>
+            <a:spLocks noGrp="1"/>
+          </p:cNvSpPr>
+          <p:nvPr>
+            <p:ph type="title"/>
+          </p:nvPr>
+        </p:nvSpPr>
+        <p:spPr/>
+        <p:txBody>
+          <a:bodyPr/>
+          <a:lstStyle/>
+          <a:p>
+            <a:r>
+              <a:rPr lang="hu-HU" dirty="0" err="1"/>
+              <a:t>Array</a:t>
+            </a:r>
+            <a:r>
+              <a:rPr lang="hu-HU" dirty="0"/>
+              <a:t> of </a:t>
+            </a:r>
+            <a:r>
+              <a:rPr lang="hu-HU" dirty="0" err="1"/>
+              <a:t>Short</a:t>
+            </a:r>
+            <a:r>
+              <a:rPr lang="hu-HU" dirty="0"/>
+              <a:t> in Kotlin</a:t>
+            </a:r>
+            <a:endParaRPr lang="en-US" dirty="0"/>
+          </a:p>
+        </p:txBody>
+      </p:sp>
+      <p:sp>
+        <p:nvSpPr>
+          <p:cNvPr id="5" name="Rectangle 4"/>
+          <p:cNvSpPr/>
+          <p:nvPr/>
+        </p:nvSpPr>
+        <p:spPr>
+          <a:xfrm>
+            <a:off x="0" y="1943100"/>
+            <a:ext cx="12192000" cy="5192486"/>
+          </a:xfrm>
+          <a:prstGeom prst="rect">
+            <a:avLst/>
+          </a:prstGeom>
+          <a:solidFill>
+            <a:schemeClr val="accent4">
+              <a:lumMod val="20000"/>
+              <a:lumOff val="80000"/>
+            </a:schemeClr>
+          </a:solidFill>
+        </p:spPr>
+        <p:style>
+          <a:lnRef idx="2">
+            <a:schemeClr val="accent1">
+              <a:shade val="50000"/>
+            </a:schemeClr>
+          </a:lnRef>
+          <a:fillRef idx="1">
+            <a:schemeClr val="accent1"/>
+          </a:fillRef>
+          <a:effectRef idx="0">
+            <a:schemeClr val="accent1"/>
+          </a:effectRef>
+          <a:fontRef idx="minor">
+            <a:schemeClr val="lt1"/>
+          </a:fontRef>
+        </p:style>
+        <p:txBody>
+          <a:bodyPr rtlCol="0" anchor="ctr"/>
+          <a:lstStyle/>
+          <a:p>
+            <a:r>
+              <a:rPr lang="hu-HU" dirty="0" err="1">
+                <a:solidFill>
+                  <a:schemeClr val="tx1"/>
+                </a:solidFill>
+                <a:latin typeface="Consolas" panose="020B0609020204030204" pitchFamily="49" charset="0"/>
+              </a:rPr>
+              <a:t>val</a:t>
+            </a:r>
+            <a:r>
+              <a:rPr lang="hu-HU" dirty="0">
+                <a:solidFill>
+                  <a:schemeClr val="tx1"/>
+                </a:solidFill>
+                <a:latin typeface="Consolas" panose="020B0609020204030204" pitchFamily="49" charset="0"/>
+              </a:rPr>
+              <a:t> </a:t>
+            </a:r>
+            <a:r>
+              <a:rPr lang="hu-HU" dirty="0" err="1">
+                <a:solidFill>
+                  <a:schemeClr val="tx1"/>
+                </a:solidFill>
+                <a:latin typeface="Consolas" panose="020B0609020204030204" pitchFamily="49" charset="0"/>
+              </a:rPr>
+              <a:t>indices</a:t>
+            </a:r>
+            <a:r>
+              <a:rPr lang="hu-HU" dirty="0">
+                <a:solidFill>
+                  <a:schemeClr val="tx1"/>
+                </a:solidFill>
+                <a:latin typeface="Consolas" panose="020B0609020204030204" pitchFamily="49" charset="0"/>
+              </a:rPr>
+              <a:t> = </a:t>
+            </a:r>
+            <a:r>
+              <a:rPr lang="hu-HU" dirty="0" err="1">
+                <a:solidFill>
+                  <a:schemeClr val="tx1"/>
+                </a:solidFill>
+                <a:latin typeface="Consolas" panose="020B0609020204030204" pitchFamily="49" charset="0"/>
+              </a:rPr>
+              <a:t>ArrayList</a:t>
+            </a:r>
+            <a:r>
+              <a:rPr lang="hu-HU" dirty="0">
+                <a:solidFill>
+                  <a:schemeClr val="tx1"/>
+                </a:solidFill>
+                <a:latin typeface="Consolas" panose="020B0609020204030204" pitchFamily="49" charset="0"/>
+              </a:rPr>
+              <a:t>&lt;</a:t>
+            </a:r>
+            <a:r>
+              <a:rPr lang="hu-HU" b="1" dirty="0" err="1">
+                <a:solidFill>
+                  <a:schemeClr val="tx1"/>
+                </a:solidFill>
+                <a:latin typeface="Consolas" panose="020B0609020204030204" pitchFamily="49" charset="0"/>
+              </a:rPr>
+              <a:t>Short</a:t>
+            </a:r>
+            <a:r>
+              <a:rPr lang="hu-HU" dirty="0">
+                <a:solidFill>
+                  <a:schemeClr val="tx1"/>
+                </a:solidFill>
+                <a:latin typeface="Consolas" panose="020B0609020204030204" pitchFamily="49" charset="0"/>
+              </a:rPr>
+              <a:t>&gt;() </a:t>
+            </a:r>
+          </a:p>
+          <a:p>
+            <a:r>
+              <a:rPr lang="hu-HU" dirty="0" err="1">
+                <a:solidFill>
+                  <a:schemeClr val="bg1">
+                    <a:lumMod val="50000"/>
+                  </a:schemeClr>
+                </a:solidFill>
+                <a:latin typeface="Consolas" panose="020B0609020204030204" pitchFamily="49" charset="0"/>
+              </a:rPr>
+              <a:t>for</a:t>
+            </a:r>
+            <a:r>
+              <a:rPr lang="hu-HU" dirty="0">
+                <a:solidFill>
+                  <a:schemeClr val="bg1">
+                    <a:lumMod val="50000"/>
+                  </a:schemeClr>
+                </a:solidFill>
+                <a:latin typeface="Consolas" panose="020B0609020204030204" pitchFamily="49" charset="0"/>
+              </a:rPr>
+              <a:t>(i in 0..180) {</a:t>
+            </a:r>
+          </a:p>
+          <a:p>
+            <a:r>
+              <a:rPr lang="hu-HU" dirty="0">
+                <a:solidFill>
+                  <a:schemeClr val="bg1">
+                    <a:lumMod val="50000"/>
+                  </a:schemeClr>
+                </a:solidFill>
+                <a:latin typeface="Consolas" panose="020B0609020204030204" pitchFamily="49" charset="0"/>
+              </a:rPr>
+              <a:t>  </a:t>
+            </a:r>
+            <a:r>
+              <a:rPr lang="hu-HU" dirty="0" err="1">
+                <a:solidFill>
+                  <a:schemeClr val="bg1">
+                    <a:lumMod val="50000"/>
+                  </a:schemeClr>
+                </a:solidFill>
+                <a:latin typeface="Consolas" panose="020B0609020204030204" pitchFamily="49" charset="0"/>
+              </a:rPr>
+              <a:t>indices.add</a:t>
+            </a:r>
+            <a:r>
+              <a:rPr lang="hu-HU" dirty="0">
+                <a:solidFill>
+                  <a:schemeClr val="bg1">
+                    <a:lumMod val="50000"/>
+                  </a:schemeClr>
+                </a:solidFill>
+                <a:latin typeface="Consolas" panose="020B0609020204030204" pitchFamily="49" charset="0"/>
+              </a:rPr>
+              <a:t>(</a:t>
+            </a:r>
+            <a:r>
+              <a:rPr lang="hu-HU" dirty="0" err="1">
+                <a:solidFill>
+                  <a:schemeClr val="bg1">
+                    <a:lumMod val="50000"/>
+                  </a:schemeClr>
+                </a:solidFill>
+                <a:latin typeface="Consolas" panose="020B0609020204030204" pitchFamily="49" charset="0"/>
+              </a:rPr>
+              <a:t>i</a:t>
+            </a:r>
+            <a:r>
+              <a:rPr lang="hu-HU" b="1" dirty="0" err="1">
+                <a:solidFill>
+                  <a:schemeClr val="tx1"/>
+                </a:solidFill>
+                <a:latin typeface="Consolas" panose="020B0609020204030204" pitchFamily="49" charset="0"/>
+              </a:rPr>
+              <a:t>.toShort</a:t>
+            </a:r>
+            <a:r>
+              <a:rPr lang="hu-HU" b="1" dirty="0">
+                <a:solidFill>
+                  <a:schemeClr val="tx1"/>
+                </a:solidFill>
+                <a:latin typeface="Consolas" panose="020B0609020204030204" pitchFamily="49" charset="0"/>
+              </a:rPr>
+              <a:t>()</a:t>
+            </a:r>
+            <a:r>
+              <a:rPr lang="hu-HU" dirty="0">
+                <a:solidFill>
+                  <a:schemeClr val="bg1">
+                    <a:lumMod val="50000"/>
+                  </a:schemeClr>
+                </a:solidFill>
+                <a:latin typeface="Consolas" panose="020B0609020204030204" pitchFamily="49" charset="0"/>
+              </a:rPr>
+              <a:t>) </a:t>
+            </a:r>
+          </a:p>
+          <a:p>
+            <a:r>
+              <a:rPr lang="hu-HU" dirty="0">
+                <a:solidFill>
+                  <a:schemeClr val="bg1">
+                    <a:lumMod val="50000"/>
+                  </a:schemeClr>
+                </a:solidFill>
+                <a:latin typeface="Consolas" panose="020B0609020204030204" pitchFamily="49" charset="0"/>
+              </a:rPr>
+              <a:t>  </a:t>
+            </a:r>
+            <a:r>
+              <a:rPr lang="hu-HU" dirty="0" err="1">
+                <a:solidFill>
+                  <a:schemeClr val="bg1">
+                    <a:lumMod val="50000"/>
+                  </a:schemeClr>
+                </a:solidFill>
+                <a:latin typeface="Consolas" panose="020B0609020204030204" pitchFamily="49" charset="0"/>
+              </a:rPr>
+              <a:t>indices.add</a:t>
+            </a:r>
+            <a:r>
+              <a:rPr lang="hu-HU" dirty="0">
+                <a:solidFill>
+                  <a:schemeClr val="bg1">
+                    <a:lumMod val="50000"/>
+                  </a:schemeClr>
+                </a:solidFill>
+                <a:latin typeface="Consolas" panose="020B0609020204030204" pitchFamily="49" charset="0"/>
+              </a:rPr>
+              <a:t>((i+1)</a:t>
+            </a:r>
+            <a:r>
+              <a:rPr lang="hu-HU" b="1" dirty="0">
+                <a:solidFill>
+                  <a:schemeClr val="tx1"/>
+                </a:solidFill>
+                <a:latin typeface="Consolas" panose="020B0609020204030204" pitchFamily="49" charset="0"/>
+              </a:rPr>
+              <a:t>.</a:t>
+            </a:r>
+            <a:r>
+              <a:rPr lang="hu-HU" b="1" dirty="0" err="1">
+                <a:solidFill>
+                  <a:schemeClr val="tx1"/>
+                </a:solidFill>
+                <a:latin typeface="Consolas" panose="020B0609020204030204" pitchFamily="49" charset="0"/>
+              </a:rPr>
+              <a:t>toShort</a:t>
+            </a:r>
+            <a:r>
+              <a:rPr lang="hu-HU" b="1" dirty="0">
+                <a:solidFill>
+                  <a:schemeClr val="tx1"/>
+                </a:solidFill>
+                <a:latin typeface="Consolas" panose="020B0609020204030204" pitchFamily="49" charset="0"/>
+              </a:rPr>
+              <a:t>()</a:t>
+            </a:r>
+            <a:r>
+              <a:rPr lang="hu-HU" dirty="0">
+                <a:solidFill>
+                  <a:schemeClr val="bg1">
+                    <a:lumMod val="50000"/>
+                  </a:schemeClr>
+                </a:solidFill>
+                <a:latin typeface="Consolas" panose="020B0609020204030204" pitchFamily="49" charset="0"/>
+              </a:rPr>
+              <a:t>) </a:t>
+            </a:r>
+          </a:p>
+          <a:p>
+            <a:r>
+              <a:rPr lang="hu-HU" dirty="0">
+                <a:solidFill>
+                  <a:schemeClr val="bg1">
+                    <a:lumMod val="50000"/>
+                  </a:schemeClr>
+                </a:solidFill>
+                <a:latin typeface="Consolas" panose="020B0609020204030204" pitchFamily="49" charset="0"/>
+              </a:rPr>
+              <a:t>  </a:t>
+            </a:r>
+            <a:r>
+              <a:rPr lang="hu-HU" dirty="0" err="1">
+                <a:solidFill>
+                  <a:schemeClr val="bg1">
+                    <a:lumMod val="50000"/>
+                  </a:schemeClr>
+                </a:solidFill>
+                <a:latin typeface="Consolas" panose="020B0609020204030204" pitchFamily="49" charset="0"/>
+              </a:rPr>
+              <a:t>indices.add</a:t>
+            </a:r>
+            <a:r>
+              <a:rPr lang="hu-HU" dirty="0">
+                <a:solidFill>
+                  <a:schemeClr val="bg1">
+                    <a:lumMod val="50000"/>
+                  </a:schemeClr>
+                </a:solidFill>
+                <a:latin typeface="Consolas" panose="020B0609020204030204" pitchFamily="49" charset="0"/>
+              </a:rPr>
+              <a:t>((i+2)</a:t>
+            </a:r>
+            <a:r>
+              <a:rPr lang="hu-HU" b="1" dirty="0">
+                <a:solidFill>
+                  <a:schemeClr val="tx1"/>
+                </a:solidFill>
+                <a:latin typeface="Consolas" panose="020B0609020204030204" pitchFamily="49" charset="0"/>
+              </a:rPr>
+              <a:t>.</a:t>
+            </a:r>
+            <a:r>
+              <a:rPr lang="hu-HU" b="1" dirty="0" err="1">
+                <a:solidFill>
+                  <a:schemeClr val="tx1"/>
+                </a:solidFill>
+                <a:latin typeface="Consolas" panose="020B0609020204030204" pitchFamily="49" charset="0"/>
+              </a:rPr>
+              <a:t>toShort</a:t>
+            </a:r>
+            <a:r>
+              <a:rPr lang="hu-HU" b="1" dirty="0">
+                <a:solidFill>
+                  <a:schemeClr val="tx1"/>
+                </a:solidFill>
+                <a:latin typeface="Consolas" panose="020B0609020204030204" pitchFamily="49" charset="0"/>
+              </a:rPr>
+              <a:t>()</a:t>
+            </a:r>
+            <a:r>
+              <a:rPr lang="hu-HU" dirty="0">
+                <a:solidFill>
+                  <a:schemeClr val="bg1">
+                    <a:lumMod val="50000"/>
+                  </a:schemeClr>
+                </a:solidFill>
+                <a:latin typeface="Consolas" panose="020B0609020204030204" pitchFamily="49" charset="0"/>
+              </a:rPr>
+              <a:t>)</a:t>
+            </a:r>
+          </a:p>
+          <a:p>
+            <a:r>
+              <a:rPr lang="hu-HU" dirty="0">
+                <a:solidFill>
+                  <a:schemeClr val="bg1">
+                    <a:lumMod val="50000"/>
+                  </a:schemeClr>
+                </a:solidFill>
+                <a:latin typeface="Consolas" panose="020B0609020204030204" pitchFamily="49" charset="0"/>
+              </a:rPr>
+              <a:t>} </a:t>
+            </a:r>
+          </a:p>
+          <a:p>
+            <a:endParaRPr lang="hu-HU" dirty="0">
+              <a:solidFill>
+                <a:schemeClr val="bg1">
+                  <a:lumMod val="50000"/>
+                </a:schemeClr>
+              </a:solidFill>
+              <a:latin typeface="Consolas" panose="020B0609020204030204" pitchFamily="49" charset="0"/>
+            </a:endParaRPr>
+          </a:p>
+          <a:p>
+            <a:r>
+              <a:rPr lang="hu-HU" dirty="0" err="1">
+                <a:solidFill>
+                  <a:schemeClr val="bg1">
+                    <a:lumMod val="50000"/>
+                  </a:schemeClr>
+                </a:solidFill>
+                <a:latin typeface="Consolas" panose="020B0609020204030204" pitchFamily="49" charset="0"/>
+              </a:rPr>
+              <a:t>gl.bufferData</a:t>
+            </a:r>
+            <a:r>
+              <a:rPr lang="hu-HU" dirty="0">
+                <a:solidFill>
+                  <a:schemeClr val="bg1">
+                    <a:lumMod val="50000"/>
+                  </a:schemeClr>
+                </a:solidFill>
+                <a:latin typeface="Consolas" panose="020B0609020204030204" pitchFamily="49" charset="0"/>
+              </a:rPr>
+              <a:t>(GL.ELEMENT_ARRAY_BUFFER, Uint16Array(</a:t>
+            </a:r>
+            <a:r>
+              <a:rPr lang="hu-HU" dirty="0" err="1">
+                <a:solidFill>
+                  <a:schemeClr val="tx1"/>
+                </a:solidFill>
+                <a:latin typeface="Consolas" panose="020B0609020204030204" pitchFamily="49" charset="0"/>
+              </a:rPr>
+              <a:t>indices.toTypedArray</a:t>
+            </a:r>
+            <a:r>
+              <a:rPr lang="hu-HU" dirty="0">
+                <a:solidFill>
+                  <a:schemeClr val="tx1"/>
+                </a:solidFill>
+                <a:latin typeface="Consolas" panose="020B0609020204030204" pitchFamily="49" charset="0"/>
+              </a:rPr>
+              <a:t>()</a:t>
+            </a:r>
+            <a:r>
+              <a:rPr lang="hu-HU" dirty="0">
+                <a:solidFill>
+                  <a:schemeClr val="bg1">
+                    <a:lumMod val="50000"/>
+                  </a:schemeClr>
+                </a:solidFill>
+                <a:latin typeface="Consolas" panose="020B0609020204030204" pitchFamily="49" charset="0"/>
+              </a:rPr>
+              <a:t>), GL.STATIC_DRAW)</a:t>
+            </a:r>
+            <a:endParaRPr lang="en-US" dirty="0">
+              <a:solidFill>
+                <a:schemeClr val="bg1">
+                  <a:lumMod val="50000"/>
+                </a:schemeClr>
+              </a:solidFill>
+              <a:latin typeface="Consolas" panose="020B0609020204030204" pitchFamily="49" charset="0"/>
+            </a:endParaRPr>
+          </a:p>
+        </p:txBody>
+      </p:sp>
+    </p:spTree>
+    <p:extLst>
+      <p:ext uri="{BB962C8B-B14F-4D97-AF65-F5344CB8AC3E}">
+        <p14:creationId xmlns:p14="http://schemas.microsoft.com/office/powerpoint/2010/main" val="1463442620"/>
+      </p:ext>
+    </p:extLst>
+  </p:cSld>
+  <p:clrMapOvr>
+    <a:masterClrMapping/>
+  </p:clrMapOvr>
+</p:sld>
+</file>
+
+<file path=ppt/slides/slide7.xml><?xml version="1.0" encoding="utf-8"?>
+<p:sld xmlns:a="http://schemas.openxmlformats.org/drawingml/2006/main" xmlns:r="http://schemas.openxmlformats.org/officeDocument/2006/relationships" xmlns:p="http://schemas.openxmlformats.org/presentationml/2006/main">
+  <p:cSld>
+    <p:spTree>
+      <p:nvGrpSpPr>
+        <p:cNvPr id="1" name=""/>
+        <p:cNvGrpSpPr/>
+        <p:nvPr/>
+      </p:nvGrpSpPr>
+      <p:grpSpPr>
+        <a:xfrm>
+          <a:off x="0" y="0"/>
+          <a:ext cx="0" cy="0"/>
+          <a:chOff x="0" y="0"/>
+          <a:chExt cx="0" cy="0"/>
+        </a:xfrm>
+      </p:grpSpPr>
+      <p:sp>
+        <p:nvSpPr>
           <p:cNvPr id="2" name="Title 1"/>
           <p:cNvSpPr>
             <a:spLocks noGrp="1"/>
@@ -7743,14 +8085,13 @@
           <a:lstStyle/>
           <a:p>
             <a:r>
-              <a:rPr lang="en-US" dirty="0" err="1" smtClean="0"/>
+              <a:rPr lang="en-US" dirty="0" err="1"/>
               <a:t>StarGeometry</a:t>
             </a:r>
             <a:r>
-              <a:rPr lang="en-US" dirty="0" smtClean="0"/>
+              <a:rPr lang="en-US" dirty="0"/>
               <a:t> – create and draw it</a:t>
             </a:r>
-            <a:endParaRPr lang="en-US" dirty="0"/>
           </a:p>
         </p:txBody>
       </p:sp>
@@ -7770,7 +8111,7 @@
           <a:lstStyle/>
           <a:p>
             <a:r>
-              <a:rPr lang="en-US" dirty="0" smtClean="0"/>
+              <a:rPr lang="en-US" dirty="0"/>
               <a:t>in the draw method, pass the number of indices</a:t>
             </a:r>
           </a:p>
@@ -7779,27 +8120,19 @@
           </a:p>
           <a:p>
             <a:r>
-              <a:rPr lang="en-US" dirty="0" smtClean="0"/>
-              <a:t>create </a:t>
-            </a:r>
-            <a:r>
               <a:rPr lang="en-US" dirty="0"/>
-              <a:t>an instance of </a:t>
-            </a:r>
-            <a:r>
-              <a:rPr lang="en-US" dirty="0" err="1" smtClean="0"/>
+              <a:t>create an instance of </a:t>
+            </a:r>
+            <a:r>
+              <a:rPr lang="en-US" dirty="0" err="1"/>
               <a:t>StarGeometry</a:t>
             </a:r>
             <a:r>
-              <a:rPr lang="en-US" dirty="0" smtClean="0"/>
-              <a:t> </a:t>
-            </a:r>
-            <a:r>
               <a:rPr lang="en-US" dirty="0"/>
-              <a:t>in the Scene </a:t>
-            </a:r>
-            <a:r>
-              <a:rPr lang="en-US" dirty="0" err="1" smtClean="0"/>
+              <a:t> in the Scene </a:t>
+            </a:r>
+            <a:r>
+              <a:rPr lang="en-US" dirty="0" err="1"/>
               <a:t>init</a:t>
             </a:r>
             <a:endParaRPr lang="en-US" dirty="0"/>
@@ -8921,125 +9254,6 @@
   <p:clrMapOvr>
     <a:masterClrMapping/>
   </p:clrMapOvr>
-  <p:timing>
-    <p:tnLst>
-      <p:par>
-        <p:cTn id="1" dur="indefinite" restart="never" nodeType="tmRoot"/>
-      </p:par>
-    </p:tnLst>
-  </p:timing>
-</p:sld>
-</file>
-
-<file path=ppt/slides/slide7.xml><?xml version="1.0" encoding="utf-8"?>
-<p:sld xmlns:a="http://schemas.openxmlformats.org/drawingml/2006/main" xmlns:r="http://schemas.openxmlformats.org/officeDocument/2006/relationships" xmlns:p="http://schemas.openxmlformats.org/presentationml/2006/main">
-  <p:cSld>
-    <p:spTree>
-      <p:nvGrpSpPr>
-        <p:cNvPr id="1" name=""/>
-        <p:cNvGrpSpPr/>
-        <p:nvPr/>
-      </p:nvGrpSpPr>
-      <p:grpSpPr>
-        <a:xfrm>
-          <a:off x="0" y="0"/>
-          <a:ext cx="0" cy="0"/>
-          <a:chOff x="0" y="0"/>
-          <a:chExt cx="0" cy="0"/>
-        </a:xfrm>
-      </p:grpSpPr>
-      <p:sp>
-        <p:nvSpPr>
-          <p:cNvPr id="2" name="Title 1"/>
-          <p:cNvSpPr>
-            <a:spLocks noGrp="1"/>
-          </p:cNvSpPr>
-          <p:nvPr>
-            <p:ph type="title"/>
-          </p:nvPr>
-        </p:nvSpPr>
-        <p:spPr/>
-        <p:txBody>
-          <a:bodyPr/>
-          <a:lstStyle/>
-          <a:p>
-            <a:r>
-              <a:rPr lang="en-US" dirty="0" smtClean="0"/>
-              <a:t>Potential errors</a:t>
-            </a:r>
-            <a:endParaRPr lang="en-US" dirty="0"/>
-          </a:p>
-        </p:txBody>
-      </p:sp>
-      <p:sp>
-        <p:nvSpPr>
-          <p:cNvPr id="3" name="Content Placeholder 2"/>
-          <p:cNvSpPr>
-            <a:spLocks noGrp="1"/>
-          </p:cNvSpPr>
-          <p:nvPr>
-            <p:ph idx="1"/>
-          </p:nvPr>
-        </p:nvSpPr>
-        <p:spPr/>
-        <p:txBody>
-          <a:bodyPr/>
-          <a:lstStyle/>
-          <a:p>
-            <a:r>
-              <a:rPr lang="en-US" dirty="0" smtClean="0"/>
-              <a:t>the index buffer may refer to non-existent vertices</a:t>
-            </a:r>
-          </a:p>
-          <a:p>
-            <a:pPr lvl="1"/>
-            <a:r>
-              <a:rPr lang="en-US" dirty="0" smtClean="0"/>
-              <a:t>because there are too few vertex coordinates</a:t>
-            </a:r>
-          </a:p>
-          <a:p>
-            <a:pPr lvl="1"/>
-            <a:r>
-              <a:rPr lang="en-US" dirty="0" smtClean="0"/>
-              <a:t>because there are too many/wrong indices</a:t>
-            </a:r>
-          </a:p>
-          <a:p>
-            <a:r>
-              <a:rPr lang="en-US" dirty="0" smtClean="0"/>
-              <a:t>there may be too few indices</a:t>
-            </a:r>
-          </a:p>
-          <a:p>
-            <a:endParaRPr lang="en-US" dirty="0"/>
-          </a:p>
-          <a:p>
-            <a:r>
-              <a:rPr lang="en-US" dirty="0" smtClean="0"/>
-              <a:t>these produce runtime error messages on the console</a:t>
-            </a:r>
-            <a:endParaRPr lang="en-US" dirty="0"/>
-          </a:p>
-        </p:txBody>
-      </p:sp>
-    </p:spTree>
-    <p:extLst>
-      <p:ext uri="{BB962C8B-B14F-4D97-AF65-F5344CB8AC3E}">
-        <p14:creationId xmlns:p14="http://schemas.microsoft.com/office/powerpoint/2010/main" val="3324966735"/>
-      </p:ext>
-    </p:extLst>
-  </p:cSld>
-  <p:clrMapOvr>
-    <a:masterClrMapping/>
-  </p:clrMapOvr>
-  <p:timing>
-    <p:tnLst>
-      <p:par>
-        <p:cTn id="1" dur="indefinite" restart="never" nodeType="tmRoot"/>
-      </p:par>
-    </p:tnLst>
-  </p:timing>
 </p:sld>
 </file>
 
@@ -9076,10 +9290,9 @@
           <a:lstStyle/>
           <a:p>
             <a:r>
-              <a:rPr lang="en-US" dirty="0" smtClean="0"/>
-              <a:t>Heart</a:t>
-            </a:r>
-            <a:endParaRPr lang="en-US" dirty="0"/>
+              <a:rPr lang="en-US" dirty="0"/>
+              <a:t>Potential errors</a:t>
+            </a:r>
           </a:p>
         </p:txBody>
       </p:sp>
@@ -9099,50 +9312,153 @@
           <a:lstStyle/>
           <a:p>
             <a:r>
-              <a:rPr lang="en-US" dirty="0" smtClean="0"/>
+              <a:rPr lang="en-US" dirty="0"/>
+              <a:t>the index buffer may refer to non-existent vertices</a:t>
+            </a:r>
+          </a:p>
+          <a:p>
+            <a:pPr lvl="1"/>
+            <a:r>
+              <a:rPr lang="en-US" dirty="0"/>
+              <a:t>because there are too few vertex coordinates</a:t>
+            </a:r>
+          </a:p>
+          <a:p>
+            <a:pPr lvl="1"/>
+            <a:r>
+              <a:rPr lang="en-US" dirty="0"/>
+              <a:t>because there are too many/wrong indices</a:t>
+            </a:r>
+          </a:p>
+          <a:p>
+            <a:r>
+              <a:rPr lang="en-US" dirty="0"/>
+              <a:t>there may be too few indices</a:t>
+            </a:r>
+          </a:p>
+          <a:p>
+            <a:endParaRPr lang="en-US" dirty="0"/>
+          </a:p>
+          <a:p>
+            <a:r>
+              <a:rPr lang="en-US" dirty="0"/>
+              <a:t>these produce runtime error messages on the console</a:t>
+            </a:r>
+          </a:p>
+        </p:txBody>
+      </p:sp>
+    </p:spTree>
+    <p:extLst>
+      <p:ext uri="{BB962C8B-B14F-4D97-AF65-F5344CB8AC3E}">
+        <p14:creationId xmlns:p14="http://schemas.microsoft.com/office/powerpoint/2010/main" val="3324966735"/>
+      </p:ext>
+    </p:extLst>
+  </p:cSld>
+  <p:clrMapOvr>
+    <a:masterClrMapping/>
+  </p:clrMapOvr>
+</p:sld>
+</file>
+
+<file path=ppt/slides/slide9.xml><?xml version="1.0" encoding="utf-8"?>
+<p:sld xmlns:a="http://schemas.openxmlformats.org/drawingml/2006/main" xmlns:r="http://schemas.openxmlformats.org/officeDocument/2006/relationships" xmlns:p="http://schemas.openxmlformats.org/presentationml/2006/main">
+  <p:cSld>
+    <p:spTree>
+      <p:nvGrpSpPr>
+        <p:cNvPr id="1" name=""/>
+        <p:cNvGrpSpPr/>
+        <p:nvPr/>
+      </p:nvGrpSpPr>
+      <p:grpSpPr>
+        <a:xfrm>
+          <a:off x="0" y="0"/>
+          <a:ext cx="0" cy="0"/>
+          <a:chOff x="0" y="0"/>
+          <a:chExt cx="0" cy="0"/>
+        </a:xfrm>
+      </p:grpSpPr>
+      <p:sp>
+        <p:nvSpPr>
+          <p:cNvPr id="2" name="Title 1"/>
+          <p:cNvSpPr>
+            <a:spLocks noGrp="1"/>
+          </p:cNvSpPr>
+          <p:nvPr>
+            <p:ph type="title"/>
+          </p:nvPr>
+        </p:nvSpPr>
+        <p:spPr/>
+        <p:txBody>
+          <a:bodyPr/>
+          <a:lstStyle/>
+          <a:p>
+            <a:r>
+              <a:rPr lang="en-US" dirty="0"/>
+              <a:t>Heart</a:t>
+            </a:r>
+          </a:p>
+        </p:txBody>
+      </p:sp>
+      <p:sp>
+        <p:nvSpPr>
+          <p:cNvPr id="3" name="Content Placeholder 2"/>
+          <p:cNvSpPr>
+            <a:spLocks noGrp="1"/>
+          </p:cNvSpPr>
+          <p:nvPr>
+            <p:ph idx="1"/>
+          </p:nvPr>
+        </p:nvSpPr>
+        <p:spPr/>
+        <p:txBody>
+          <a:bodyPr/>
+          <a:lstStyle/>
+          <a:p>
+            <a:r>
+              <a:rPr lang="en-US" dirty="0"/>
               <a:t>parametric curve</a:t>
             </a:r>
           </a:p>
           <a:p>
             <a:pPr lvl="1"/>
             <a:r>
-              <a:rPr lang="en-US" dirty="0" smtClean="0"/>
+              <a:rPr lang="en-US" dirty="0"/>
               <a:t>a shape (set of points) given by a point-valued function of </a:t>
             </a:r>
             <a:r>
-              <a:rPr lang="en-US" i="1" dirty="0" smtClean="0"/>
+              <a:rPr lang="en-US" i="1" dirty="0"/>
               <a:t>t</a:t>
             </a:r>
           </a:p>
           <a:p>
             <a:pPr lvl="1"/>
             <a:r>
-              <a:rPr lang="en-US" dirty="0" smtClean="0"/>
+              <a:rPr lang="en-US" dirty="0"/>
               <a:t>can be written as two scalar function for coordinates x and y</a:t>
             </a:r>
           </a:p>
           <a:p>
             <a:pPr lvl="1"/>
             <a:r>
-              <a:rPr lang="en-US" i="1" dirty="0" smtClean="0"/>
+              <a:rPr lang="en-US" i="1" dirty="0"/>
               <a:t>t</a:t>
             </a:r>
             <a:r>
-              <a:rPr lang="en-US" dirty="0" smtClean="0"/>
+              <a:rPr lang="en-US" dirty="0"/>
               <a:t> is scalar, called the curve parameter</a:t>
             </a:r>
           </a:p>
           <a:p>
             <a:r>
-              <a:rPr lang="en-US" dirty="0" smtClean="0"/>
+              <a:rPr lang="en-US" dirty="0"/>
               <a:t>easy to generate points on curve (just substitute values of </a:t>
             </a:r>
             <a:r>
-              <a:rPr lang="en-US" i="1" dirty="0" smtClean="0"/>
+              <a:rPr lang="en-US" i="1" dirty="0"/>
               <a:t>t</a:t>
             </a:r>
             <a:r>
-              <a:rPr lang="en-US" dirty="0" smtClean="0"/>
+              <a:rPr lang="en-US" dirty="0"/>
               <a:t> to get coordinates)</a:t>
             </a:r>
           </a:p>
@@ -10333,7 +10649,7 @@
           <a:lstStyle/>
           <a:p>
             <a:r>
-              <a:rPr lang="en-US" sz="20000" dirty="0" smtClean="0">
+              <a:rPr lang="en-US" sz="20000" dirty="0">
                 <a:solidFill>
                   <a:srgbClr val="00B050"/>
                 </a:solidFill>
@@ -10341,12 +10657,6 @@
               </a:rPr>
               <a:t>!</a:t>
             </a:r>
-            <a:endParaRPr lang="en-US" sz="20000" dirty="0">
-              <a:solidFill>
-                <a:srgbClr val="00B050"/>
-              </a:solidFill>
-              <a:latin typeface="Whipsmart" panose="020B0502030203050204" pitchFamily="34" charset="0"/>
-            </a:endParaRPr>
           </a:p>
         </p:txBody>
       </p:sp>
